--- a/chart.pptx
+++ b/chart.pptx
@@ -6,6 +6,12 @@
   </p:sldMasterIdLst>
   <p:sldIdLst>
     <p:sldId id="256" r:id="rId2"/>
+    <p:sldId id="257" r:id="rId3"/>
+    <p:sldId id="258" r:id="rId4"/>
+    <p:sldId id="259" r:id="rId5"/>
+    <p:sldId id="260" r:id="rId6"/>
+    <p:sldId id="261" r:id="rId7"/>
+    <p:sldId id="262" r:id="rId8"/>
   </p:sldIdLst>
   <p:sldSz cx="12192000" cy="6858000"/>
   <p:notesSz cx="6858000" cy="9144000"/>
@@ -128,23 +134,23 @@
           <a:lstStyle/>
           <a:p>
             <a:pPr>
-              <a:defRPr sz="2200" b="1" i="0" u="none" strike="noStrike" kern="1200" cap="all" spc="50" baseline="0">
+              <a:defRPr sz="2128" b="1" i="0" u="none" strike="noStrike" kern="1200" cap="none" spc="0" normalizeH="0" baseline="0">
                 <a:solidFill>
-                  <a:schemeClr val="tx1">
-                    <a:lumMod val="65000"/>
-                    <a:lumOff val="35000"/>
+                  <a:schemeClr val="dk1">
+                    <a:lumMod val="50000"/>
+                    <a:lumOff val="50000"/>
                   </a:schemeClr>
                 </a:solidFill>
-                <a:latin typeface="+mn-lt"/>
-                <a:ea typeface="+mn-ea"/>
-                <a:cs typeface="+mn-cs"/>
+                <a:latin typeface="+mj-lt"/>
+                <a:ea typeface="+mj-ea"/>
+                <a:cs typeface="+mj-cs"/>
               </a:defRPr>
             </a:pPr>
             <a:r>
-              <a:rPr lang="en-US" dirty="0"/>
+              <a:rPr lang="en-US"/>
               <a:t> CMF</a:t>
             </a:r>
-            <a:endParaRPr lang="zh-CN" dirty="0"/>
+            <a:endParaRPr lang="zh-CN"/>
           </a:p>
         </c:rich>
       </c:tx>
@@ -161,16 +167,16 @@
         <a:lstStyle/>
         <a:p>
           <a:pPr>
-            <a:defRPr sz="2200" b="1" i="0" u="none" strike="noStrike" kern="1200" cap="all" spc="50" baseline="0">
+            <a:defRPr sz="2128" b="1" i="0" u="none" strike="noStrike" kern="1200" cap="none" spc="0" normalizeH="0" baseline="0">
               <a:solidFill>
-                <a:schemeClr val="tx1">
-                  <a:lumMod val="65000"/>
-                  <a:lumOff val="35000"/>
+                <a:schemeClr val="dk1">
+                  <a:lumMod val="50000"/>
+                  <a:lumOff val="50000"/>
                 </a:schemeClr>
               </a:solidFill>
-              <a:latin typeface="+mn-lt"/>
-              <a:ea typeface="+mn-ea"/>
-              <a:cs typeface="+mn-cs"/>
+              <a:latin typeface="+mj-lt"/>
+              <a:ea typeface="+mj-ea"/>
+              <a:cs typeface="+mj-cs"/>
             </a:defRPr>
           </a:pPr>
           <a:endParaRPr lang="zh-CN"/>
@@ -199,32 +205,14 @@
             </c:strRef>
           </c:tx>
           <c:spPr>
-            <a:gradFill flip="none" rotWithShape="1">
-              <a:gsLst>
-                <a:gs pos="0">
-                  <a:schemeClr val="accent1"/>
-                </a:gs>
-                <a:gs pos="75000">
-                  <a:schemeClr val="accent1">
-                    <a:lumMod val="60000"/>
-                    <a:lumOff val="40000"/>
-                  </a:schemeClr>
-                </a:gs>
-                <a:gs pos="51000">
-                  <a:schemeClr val="accent1">
-                    <a:alpha val="75000"/>
-                  </a:schemeClr>
-                </a:gs>
-                <a:gs pos="100000">
-                  <a:schemeClr val="accent1">
-                    <a:lumMod val="20000"/>
-                    <a:lumOff val="80000"/>
-                    <a:alpha val="15000"/>
-                  </a:schemeClr>
-                </a:gs>
-              </a:gsLst>
-              <a:lin ang="5400000" scaled="0"/>
-            </a:gradFill>
+            <a:pattFill prst="wave">
+              <a:fgClr>
+                <a:schemeClr val="accent1"/>
+              </a:fgClr>
+              <a:bgClr>
+                <a:schemeClr val="bg1"/>
+              </a:bgClr>
+            </a:pattFill>
             <a:ln>
               <a:noFill/>
             </a:ln>
@@ -232,61 +220,7 @@
           </c:spPr>
           <c:invertIfNegative val="0"/>
           <c:dLbls>
-            <c:spPr>
-              <a:noFill/>
-              <a:ln>
-                <a:noFill/>
-              </a:ln>
-              <a:effectLst/>
-            </c:spPr>
-            <c:txPr>
-              <a:bodyPr rot="0" spcFirstLastPara="1" vertOverflow="ellipsis" vert="horz" wrap="square" lIns="38100" tIns="19050" rIns="38100" bIns="19050" anchor="ctr" anchorCtr="1">
-                <a:spAutoFit/>
-              </a:bodyPr>
-              <a:lstStyle/>
-              <a:p>
-                <a:pPr>
-                  <a:defRPr sz="1197" b="0" i="0" u="none" strike="noStrike" kern="1200" baseline="0">
-                    <a:solidFill>
-                      <a:schemeClr val="tx1">
-                        <a:lumMod val="75000"/>
-                        <a:lumOff val="25000"/>
-                      </a:schemeClr>
-                    </a:solidFill>
-                    <a:latin typeface="+mn-lt"/>
-                    <a:ea typeface="+mn-ea"/>
-                    <a:cs typeface="+mn-cs"/>
-                  </a:defRPr>
-                </a:pPr>
-                <a:endParaRPr lang="zh-CN"/>
-              </a:p>
-            </c:txPr>
-            <c:dLblPos val="outEnd"/>
-            <c:showLegendKey val="0"/>
-            <c:showVal val="1"/>
-            <c:showCatName val="0"/>
-            <c:showSerName val="0"/>
-            <c:showPercent val="0"/>
-            <c:showBubbleSize val="0"/>
-            <c:showLeaderLines val="0"/>
-            <c:extLst>
-              <c:ext xmlns:c15="http://schemas.microsoft.com/office/drawing/2012/chart" uri="{CE6537A1-D6FC-4f65-9D91-7224C49458BB}">
-                <c15:showLeaderLines val="1"/>
-                <c15:leaderLines>
-                  <c:spPr>
-                    <a:ln w="9525">
-                      <a:solidFill>
-                        <a:schemeClr val="tx1">
-                          <a:lumMod val="35000"/>
-                          <a:lumOff val="65000"/>
-                        </a:schemeClr>
-                      </a:solidFill>
-                    </a:ln>
-                    <a:effectLst/>
-                  </c:spPr>
-                </c15:leaderLines>
-              </c:ext>
-            </c:extLst>
+            <c:delete val="1"/>
           </c:dLbls>
           <c:cat>
             <c:strRef>
@@ -332,32 +266,14 @@
             </c:strRef>
           </c:tx>
           <c:spPr>
-            <a:gradFill flip="none" rotWithShape="1">
-              <a:gsLst>
-                <a:gs pos="0">
-                  <a:schemeClr val="accent2"/>
-                </a:gs>
-                <a:gs pos="75000">
-                  <a:schemeClr val="accent2">
-                    <a:lumMod val="60000"/>
-                    <a:lumOff val="40000"/>
-                  </a:schemeClr>
-                </a:gs>
-                <a:gs pos="51000">
-                  <a:schemeClr val="accent2">
-                    <a:alpha val="75000"/>
-                  </a:schemeClr>
-                </a:gs>
-                <a:gs pos="100000">
-                  <a:schemeClr val="accent2">
-                    <a:lumMod val="20000"/>
-                    <a:lumOff val="80000"/>
-                    <a:alpha val="15000"/>
-                  </a:schemeClr>
-                </a:gs>
-              </a:gsLst>
-              <a:lin ang="5400000" scaled="0"/>
-            </a:gradFill>
+            <a:pattFill prst="wdDnDiag">
+              <a:fgClr>
+                <a:schemeClr val="accent1"/>
+              </a:fgClr>
+              <a:bgClr>
+                <a:schemeClr val="bg1"/>
+              </a:bgClr>
+            </a:pattFill>
             <a:ln>
               <a:noFill/>
             </a:ln>
@@ -365,61 +281,7 @@
           </c:spPr>
           <c:invertIfNegative val="0"/>
           <c:dLbls>
-            <c:spPr>
-              <a:noFill/>
-              <a:ln>
-                <a:noFill/>
-              </a:ln>
-              <a:effectLst/>
-            </c:spPr>
-            <c:txPr>
-              <a:bodyPr rot="0" spcFirstLastPara="1" vertOverflow="ellipsis" vert="horz" wrap="square" lIns="38100" tIns="19050" rIns="38100" bIns="19050" anchor="ctr" anchorCtr="1">
-                <a:spAutoFit/>
-              </a:bodyPr>
-              <a:lstStyle/>
-              <a:p>
-                <a:pPr>
-                  <a:defRPr sz="1197" b="0" i="0" u="none" strike="noStrike" kern="1200" baseline="0">
-                    <a:solidFill>
-                      <a:schemeClr val="tx1">
-                        <a:lumMod val="75000"/>
-                        <a:lumOff val="25000"/>
-                      </a:schemeClr>
-                    </a:solidFill>
-                    <a:latin typeface="+mn-lt"/>
-                    <a:ea typeface="+mn-ea"/>
-                    <a:cs typeface="+mn-cs"/>
-                  </a:defRPr>
-                </a:pPr>
-                <a:endParaRPr lang="zh-CN"/>
-              </a:p>
-            </c:txPr>
-            <c:dLblPos val="outEnd"/>
-            <c:showLegendKey val="0"/>
-            <c:showVal val="1"/>
-            <c:showCatName val="0"/>
-            <c:showSerName val="0"/>
-            <c:showPercent val="0"/>
-            <c:showBubbleSize val="0"/>
-            <c:showLeaderLines val="0"/>
-            <c:extLst>
-              <c:ext xmlns:c15="http://schemas.microsoft.com/office/drawing/2012/chart" uri="{CE6537A1-D6FC-4f65-9D91-7224C49458BB}">
-                <c15:showLeaderLines val="1"/>
-                <c15:leaderLines>
-                  <c:spPr>
-                    <a:ln w="9525">
-                      <a:solidFill>
-                        <a:schemeClr val="tx1">
-                          <a:lumMod val="35000"/>
-                          <a:lumOff val="65000"/>
-                        </a:schemeClr>
-                      </a:solidFill>
-                    </a:ln>
-                    <a:effectLst/>
-                  </c:spPr>
-                </c15:leaderLines>
-              </c:ext>
-            </c:extLst>
+            <c:delete val="1"/>
           </c:dLbls>
           <c:cat>
             <c:strRef>
@@ -465,32 +327,14 @@
             </c:strRef>
           </c:tx>
           <c:spPr>
-            <a:gradFill flip="none" rotWithShape="1">
-              <a:gsLst>
-                <a:gs pos="0">
-                  <a:schemeClr val="accent3"/>
-                </a:gs>
-                <a:gs pos="75000">
-                  <a:schemeClr val="accent3">
-                    <a:lumMod val="60000"/>
-                    <a:lumOff val="40000"/>
-                  </a:schemeClr>
-                </a:gs>
-                <a:gs pos="51000">
-                  <a:schemeClr val="accent3">
-                    <a:alpha val="75000"/>
-                  </a:schemeClr>
-                </a:gs>
-                <a:gs pos="100000">
-                  <a:schemeClr val="accent3">
-                    <a:lumMod val="20000"/>
-                    <a:lumOff val="80000"/>
-                    <a:alpha val="15000"/>
-                  </a:schemeClr>
-                </a:gs>
-              </a:gsLst>
-              <a:lin ang="5400000" scaled="0"/>
-            </a:gradFill>
+            <a:pattFill prst="dkHorz">
+              <a:fgClr>
+                <a:schemeClr val="accent1"/>
+              </a:fgClr>
+              <a:bgClr>
+                <a:schemeClr val="bg1"/>
+              </a:bgClr>
+            </a:pattFill>
             <a:ln>
               <a:noFill/>
             </a:ln>
@@ -498,61 +342,7 @@
           </c:spPr>
           <c:invertIfNegative val="0"/>
           <c:dLbls>
-            <c:spPr>
-              <a:noFill/>
-              <a:ln>
-                <a:noFill/>
-              </a:ln>
-              <a:effectLst/>
-            </c:spPr>
-            <c:txPr>
-              <a:bodyPr rot="0" spcFirstLastPara="1" vertOverflow="ellipsis" vert="horz" wrap="square" lIns="38100" tIns="19050" rIns="38100" bIns="19050" anchor="ctr" anchorCtr="1">
-                <a:spAutoFit/>
-              </a:bodyPr>
-              <a:lstStyle/>
-              <a:p>
-                <a:pPr>
-                  <a:defRPr sz="1197" b="0" i="0" u="none" strike="noStrike" kern="1200" baseline="0">
-                    <a:solidFill>
-                      <a:schemeClr val="tx1">
-                        <a:lumMod val="75000"/>
-                        <a:lumOff val="25000"/>
-                      </a:schemeClr>
-                    </a:solidFill>
-                    <a:latin typeface="+mn-lt"/>
-                    <a:ea typeface="+mn-ea"/>
-                    <a:cs typeface="+mn-cs"/>
-                  </a:defRPr>
-                </a:pPr>
-                <a:endParaRPr lang="zh-CN"/>
-              </a:p>
-            </c:txPr>
-            <c:dLblPos val="outEnd"/>
-            <c:showLegendKey val="0"/>
-            <c:showVal val="1"/>
-            <c:showCatName val="0"/>
-            <c:showSerName val="0"/>
-            <c:showPercent val="0"/>
-            <c:showBubbleSize val="0"/>
-            <c:showLeaderLines val="0"/>
-            <c:extLst>
-              <c:ext xmlns:c15="http://schemas.microsoft.com/office/drawing/2012/chart" uri="{CE6537A1-D6FC-4f65-9D91-7224C49458BB}">
-                <c15:showLeaderLines val="1"/>
-                <c15:leaderLines>
-                  <c:spPr>
-                    <a:ln w="9525">
-                      <a:solidFill>
-                        <a:schemeClr val="tx1">
-                          <a:lumMod val="35000"/>
-                          <a:lumOff val="65000"/>
-                        </a:schemeClr>
-                      </a:solidFill>
-                    </a:ln>
-                    <a:effectLst/>
-                  </c:spPr>
-                </c15:leaderLines>
-              </c:ext>
-            </c:extLst>
+            <c:delete val="1"/>
           </c:dLbls>
           <c:cat>
             <c:strRef>
@@ -592,8 +382,8 @@
           <c:showPercent val="0"/>
           <c:showBubbleSize val="0"/>
         </c:dLbls>
-        <c:gapWidth val="355"/>
-        <c:overlap val="-70"/>
+        <c:gapWidth val="264"/>
+        <c:overlap val="-43"/>
         <c:axId val="505240992"/>
         <c:axId val="505240576"/>
       </c:barChart>
@@ -604,6 +394,20 @@
         </c:scaling>
         <c:delete val="0"/>
         <c:axPos val="b"/>
+        <c:majorGridlines>
+          <c:spPr>
+            <a:ln w="9525" cap="flat" cmpd="sng" algn="ctr">
+              <a:solidFill>
+                <a:schemeClr val="dk1">
+                  <a:lumMod val="15000"/>
+                  <a:lumOff val="85000"/>
+                </a:schemeClr>
+              </a:solidFill>
+              <a:round/>
+            </a:ln>
+            <a:effectLst/>
+          </c:spPr>
+        </c:majorGridlines>
         <c:numFmt formatCode="General" sourceLinked="1"/>
         <c:majorTickMark val="none"/>
         <c:minorTickMark val="none"/>
@@ -612,7 +416,7 @@
           <a:noFill/>
           <a:ln w="9525" cap="flat" cmpd="sng" algn="ctr">
             <a:solidFill>
-              <a:schemeClr val="tx1">
+              <a:schemeClr val="dk1">
                 <a:lumMod val="15000"/>
                 <a:lumOff val="85000"/>
               </a:schemeClr>
@@ -626,9 +430,9 @@
           <a:lstStyle/>
           <a:p>
             <a:pPr>
-              <a:defRPr sz="1197" b="0" i="0" u="none" strike="noStrike" kern="1200" baseline="0">
+              <a:defRPr sz="1197" b="0" i="0" u="none" strike="noStrike" kern="1200" cap="none" spc="0" normalizeH="0" baseline="0">
                 <a:solidFill>
-                  <a:schemeClr val="tx1">
+                  <a:schemeClr val="dk1">
                     <a:lumMod val="65000"/>
                     <a:lumOff val="35000"/>
                   </a:schemeClr>
@@ -659,23 +463,12 @@
         <c:majorGridlines>
           <c:spPr>
             <a:ln w="9525" cap="flat" cmpd="sng" algn="ctr">
-              <a:gradFill>
-                <a:gsLst>
-                  <a:gs pos="100000">
-                    <a:schemeClr val="tx1">
-                      <a:lumMod val="5000"/>
-                      <a:lumOff val="95000"/>
-                    </a:schemeClr>
-                  </a:gs>
-                  <a:gs pos="0">
-                    <a:schemeClr val="tx1">
-                      <a:lumMod val="25000"/>
-                      <a:lumOff val="75000"/>
-                    </a:schemeClr>
-                  </a:gs>
-                </a:gsLst>
-                <a:lin ang="5400000" scaled="0"/>
-              </a:gradFill>
+              <a:solidFill>
+                <a:schemeClr val="dk1">
+                  <a:lumMod val="15000"/>
+                  <a:lumOff val="85000"/>
+                </a:schemeClr>
+              </a:solidFill>
               <a:round/>
             </a:ln>
             <a:effectLst/>
@@ -699,9 +492,999 @@
             <a:pPr>
               <a:defRPr sz="1197" b="0" i="0" u="none" strike="noStrike" kern="1200" baseline="0">
                 <a:solidFill>
-                  <a:schemeClr val="tx1">
+                  <a:schemeClr val="dk1">
                     <a:lumMod val="65000"/>
                     <a:lumOff val="35000"/>
+                  </a:schemeClr>
+                </a:solidFill>
+                <a:latin typeface="+mn-lt"/>
+                <a:ea typeface="+mn-ea"/>
+                <a:cs typeface="+mn-cs"/>
+              </a:defRPr>
+            </a:pPr>
+            <a:endParaRPr lang="zh-CN"/>
+          </a:p>
+        </c:txPr>
+        <c:crossAx val="505240992"/>
+        <c:crosses val="autoZero"/>
+        <c:crossBetween val="between"/>
+      </c:valAx>
+      <c:spPr>
+        <a:pattFill prst="ltDnDiag">
+          <a:fgClr>
+            <a:schemeClr val="dk1">
+              <a:lumMod val="15000"/>
+              <a:lumOff val="85000"/>
+            </a:schemeClr>
+          </a:fgClr>
+          <a:bgClr>
+            <a:schemeClr val="lt1"/>
+          </a:bgClr>
+        </a:pattFill>
+        <a:ln>
+          <a:noFill/>
+        </a:ln>
+        <a:effectLst/>
+      </c:spPr>
+    </c:plotArea>
+    <c:legend>
+      <c:legendPos val="b"/>
+      <c:overlay val="0"/>
+      <c:spPr>
+        <a:noFill/>
+        <a:ln>
+          <a:noFill/>
+        </a:ln>
+        <a:effectLst/>
+      </c:spPr>
+      <c:txPr>
+        <a:bodyPr rot="0" spcFirstLastPara="1" vertOverflow="ellipsis" vert="horz" wrap="square" anchor="ctr" anchorCtr="1"/>
+        <a:lstStyle/>
+        <a:p>
+          <a:pPr>
+            <a:defRPr sz="1197" b="0" i="0" u="none" strike="noStrike" kern="1200" baseline="0">
+              <a:solidFill>
+                <a:schemeClr val="dk1">
+                  <a:lumMod val="65000"/>
+                  <a:lumOff val="35000"/>
+                </a:schemeClr>
+              </a:solidFill>
+              <a:latin typeface="+mn-lt"/>
+              <a:ea typeface="+mn-ea"/>
+              <a:cs typeface="+mn-cs"/>
+            </a:defRPr>
+          </a:pPr>
+          <a:endParaRPr lang="zh-CN"/>
+        </a:p>
+      </c:txPr>
+    </c:legend>
+    <c:plotVisOnly val="1"/>
+    <c:dispBlanksAs val="gap"/>
+    <c:extLst>
+      <c:ext xmlns:c16r3="http://schemas.microsoft.com/office/drawing/2017/03/chart" uri="{56B9EC1D-385E-4148-901F-78D8002777C0}">
+        <c16r3:dataDisplayOptions16>
+          <c16r3:dispNaAsBlank val="1"/>
+        </c16r3:dataDisplayOptions16>
+      </c:ext>
+    </c:extLst>
+    <c:showDLblsOverMax val="0"/>
+  </c:chart>
+  <c:spPr>
+    <a:solidFill>
+      <a:schemeClr val="lt1"/>
+    </a:solidFill>
+    <a:ln w="9525" cap="flat" cmpd="sng" algn="ctr">
+      <a:solidFill>
+        <a:schemeClr val="dk1">
+          <a:lumMod val="15000"/>
+          <a:lumOff val="85000"/>
+        </a:schemeClr>
+      </a:solidFill>
+      <a:round/>
+    </a:ln>
+    <a:effectLst/>
+  </c:spPr>
+  <c:txPr>
+    <a:bodyPr/>
+    <a:lstStyle/>
+    <a:p>
+      <a:pPr>
+        <a:defRPr/>
+      </a:pPr>
+      <a:endParaRPr lang="zh-CN"/>
+    </a:p>
+  </c:txPr>
+  <c:externalData r:id="rId3">
+    <c:autoUpdate val="0"/>
+  </c:externalData>
+</c:chartSpace>
+</file>
+
+<file path=ppt/charts/chart2.xml><?xml version="1.0" encoding="utf-8"?>
+<c:chartSpace xmlns:c="http://schemas.openxmlformats.org/drawingml/2006/chart" xmlns:a="http://schemas.openxmlformats.org/drawingml/2006/main" xmlns:r="http://schemas.openxmlformats.org/officeDocument/2006/relationships" xmlns:c16r2="http://schemas.microsoft.com/office/drawing/2015/06/chart">
+  <c:date1904 val="0"/>
+  <c:lang val="zh-CN"/>
+  <c:roundedCorners val="0"/>
+  <mc:AlternateContent xmlns:mc="http://schemas.openxmlformats.org/markup-compatibility/2006">
+    <mc:Choice xmlns:c14="http://schemas.microsoft.com/office/drawing/2007/8/2/chart" Requires="c14">
+      <c14:style val="102"/>
+    </mc:Choice>
+    <mc:Fallback>
+      <c:style val="2"/>
+    </mc:Fallback>
+  </mc:AlternateContent>
+  <c:chart>
+    <c:title>
+      <c:tx>
+        <c:rich>
+          <a:bodyPr rot="0" spcFirstLastPara="1" vertOverflow="ellipsis" vert="horz" wrap="square" anchor="ctr" anchorCtr="1"/>
+          <a:lstStyle/>
+          <a:p>
+            <a:pPr>
+              <a:defRPr sz="2128" b="1" i="0" u="none" strike="noStrike" kern="1200" cap="none" spc="0" normalizeH="0" baseline="0">
+                <a:solidFill>
+                  <a:schemeClr val="dk1">
+                    <a:lumMod val="50000"/>
+                    <a:lumOff val="50000"/>
+                  </a:schemeClr>
+                </a:solidFill>
+                <a:latin typeface="+mj-lt"/>
+                <a:ea typeface="+mj-ea"/>
+                <a:cs typeface="+mj-cs"/>
+              </a:defRPr>
+            </a:pPr>
+            <a:r>
+              <a:rPr lang="en-US"/>
+              <a:t> CPJ</a:t>
+            </a:r>
+            <a:endParaRPr lang="zh-CN"/>
+          </a:p>
+        </c:rich>
+      </c:tx>
+      <c:overlay val="0"/>
+      <c:spPr>
+        <a:noFill/>
+        <a:ln>
+          <a:noFill/>
+        </a:ln>
+        <a:effectLst/>
+      </c:spPr>
+      <c:txPr>
+        <a:bodyPr rot="0" spcFirstLastPara="1" vertOverflow="ellipsis" vert="horz" wrap="square" anchor="ctr" anchorCtr="1"/>
+        <a:lstStyle/>
+        <a:p>
+          <a:pPr>
+            <a:defRPr sz="2128" b="1" i="0" u="none" strike="noStrike" kern="1200" cap="none" spc="0" normalizeH="0" baseline="0">
+              <a:solidFill>
+                <a:schemeClr val="dk1">
+                  <a:lumMod val="50000"/>
+                  <a:lumOff val="50000"/>
+                </a:schemeClr>
+              </a:solidFill>
+              <a:latin typeface="+mj-lt"/>
+              <a:ea typeface="+mj-ea"/>
+              <a:cs typeface="+mj-cs"/>
+            </a:defRPr>
+          </a:pPr>
+          <a:endParaRPr lang="zh-CN"/>
+        </a:p>
+      </c:txPr>
+    </c:title>
+    <c:autoTitleDeleted val="0"/>
+    <c:plotArea>
+      <c:layout/>
+      <c:barChart>
+        <c:barDir val="col"/>
+        <c:grouping val="clustered"/>
+        <c:varyColors val="0"/>
+        <c:ser>
+          <c:idx val="0"/>
+          <c:order val="0"/>
+          <c:tx>
+            <c:strRef>
+              <c:f>Sheet1!$B$1</c:f>
+              <c:strCache>
+                <c:ptCount val="1"/>
+                <c:pt idx="0">
+                  <c:v> ACCore</c:v>
+                </c:pt>
+              </c:strCache>
+            </c:strRef>
+          </c:tx>
+          <c:spPr>
+            <a:pattFill prst="zigZag">
+              <a:fgClr>
+                <a:schemeClr val="accent1"/>
+              </a:fgClr>
+              <a:bgClr>
+                <a:schemeClr val="bg1"/>
+              </a:bgClr>
+            </a:pattFill>
+            <a:ln>
+              <a:noFill/>
+            </a:ln>
+            <a:effectLst/>
+          </c:spPr>
+          <c:invertIfNegative val="0"/>
+          <c:dLbls>
+            <c:delete val="1"/>
+          </c:dLbls>
+          <c:cat>
+            <c:strRef>
+              <c:f>Sheet1!$A$2</c:f>
+              <c:strCache>
+                <c:ptCount val="1"/>
+                <c:pt idx="0">
+                  <c:v>  DBLP</c:v>
+                </c:pt>
+              </c:strCache>
+            </c:strRef>
+          </c:cat>
+          <c:val>
+            <c:numRef>
+              <c:f>Sheet1!$B$2</c:f>
+              <c:numCache>
+                <c:formatCode>General</c:formatCode>
+                <c:ptCount val="1"/>
+                <c:pt idx="0">
+                  <c:v>0.3</c:v>
+                </c:pt>
+              </c:numCache>
+            </c:numRef>
+          </c:val>
+          <c:extLst>
+            <c:ext xmlns:c16="http://schemas.microsoft.com/office/drawing/2014/chart" uri="{C3380CC4-5D6E-409C-BE32-E72D297353CC}">
+              <c16:uniqueId val="{00000000-D4B0-408C-8E67-2FE86A5D0505}"/>
+            </c:ext>
+          </c:extLst>
+        </c:ser>
+        <c:ser>
+          <c:idx val="1"/>
+          <c:order val="1"/>
+          <c:tx>
+            <c:strRef>
+              <c:f>Sheet1!$C$1</c:f>
+              <c:strCache>
+                <c:ptCount val="1"/>
+                <c:pt idx="0">
+                  <c:v> ACTruss</c:v>
+                </c:pt>
+              </c:strCache>
+            </c:strRef>
+          </c:tx>
+          <c:spPr>
+            <a:pattFill prst="wdDnDiag">
+              <a:fgClr>
+                <a:schemeClr val="accent1"/>
+              </a:fgClr>
+              <a:bgClr>
+                <a:schemeClr val="bg1"/>
+              </a:bgClr>
+            </a:pattFill>
+            <a:ln>
+              <a:noFill/>
+            </a:ln>
+            <a:effectLst/>
+          </c:spPr>
+          <c:invertIfNegative val="0"/>
+          <c:dLbls>
+            <c:delete val="1"/>
+          </c:dLbls>
+          <c:cat>
+            <c:strRef>
+              <c:f>Sheet1!$A$2</c:f>
+              <c:strCache>
+                <c:ptCount val="1"/>
+                <c:pt idx="0">
+                  <c:v>  DBLP</c:v>
+                </c:pt>
+              </c:strCache>
+            </c:strRef>
+          </c:cat>
+          <c:val>
+            <c:numRef>
+              <c:f>Sheet1!$C$2</c:f>
+              <c:numCache>
+                <c:formatCode>General</c:formatCode>
+                <c:ptCount val="1"/>
+                <c:pt idx="0">
+                  <c:v>0.52</c:v>
+                </c:pt>
+              </c:numCache>
+            </c:numRef>
+          </c:val>
+          <c:extLst>
+            <c:ext xmlns:c16="http://schemas.microsoft.com/office/drawing/2014/chart" uri="{C3380CC4-5D6E-409C-BE32-E72D297353CC}">
+              <c16:uniqueId val="{00000001-D4B0-408C-8E67-2FE86A5D0505}"/>
+            </c:ext>
+          </c:extLst>
+        </c:ser>
+        <c:ser>
+          <c:idx val="2"/>
+          <c:order val="2"/>
+          <c:tx>
+            <c:strRef>
+              <c:f>Sheet1!$D$1</c:f>
+              <c:strCache>
+                <c:ptCount val="1"/>
+                <c:pt idx="0">
+                  <c:v> NCTruss</c:v>
+                </c:pt>
+              </c:strCache>
+            </c:strRef>
+          </c:tx>
+          <c:spPr>
+            <a:pattFill prst="dkHorz">
+              <a:fgClr>
+                <a:schemeClr val="accent1"/>
+              </a:fgClr>
+              <a:bgClr>
+                <a:schemeClr val="bg1"/>
+              </a:bgClr>
+            </a:pattFill>
+            <a:ln>
+              <a:noFill/>
+            </a:ln>
+            <a:effectLst/>
+          </c:spPr>
+          <c:invertIfNegative val="0"/>
+          <c:dLbls>
+            <c:delete val="1"/>
+          </c:dLbls>
+          <c:cat>
+            <c:strRef>
+              <c:f>Sheet1!$A$2</c:f>
+              <c:strCache>
+                <c:ptCount val="1"/>
+                <c:pt idx="0">
+                  <c:v>  DBLP</c:v>
+                </c:pt>
+              </c:strCache>
+            </c:strRef>
+          </c:cat>
+          <c:val>
+            <c:numRef>
+              <c:f>Sheet1!$D$2</c:f>
+              <c:numCache>
+                <c:formatCode>General</c:formatCode>
+                <c:ptCount val="1"/>
+                <c:pt idx="0">
+                  <c:v>0.18</c:v>
+                </c:pt>
+              </c:numCache>
+            </c:numRef>
+          </c:val>
+          <c:extLst>
+            <c:ext xmlns:c16="http://schemas.microsoft.com/office/drawing/2014/chart" uri="{C3380CC4-5D6E-409C-BE32-E72D297353CC}">
+              <c16:uniqueId val="{00000002-D4B0-408C-8E67-2FE86A5D0505}"/>
+            </c:ext>
+          </c:extLst>
+        </c:ser>
+        <c:dLbls>
+          <c:dLblPos val="outEnd"/>
+          <c:showLegendKey val="0"/>
+          <c:showVal val="1"/>
+          <c:showCatName val="0"/>
+          <c:showSerName val="0"/>
+          <c:showPercent val="0"/>
+          <c:showBubbleSize val="0"/>
+        </c:dLbls>
+        <c:gapWidth val="267"/>
+        <c:overlap val="-43"/>
+        <c:axId val="505240992"/>
+        <c:axId val="505240576"/>
+      </c:barChart>
+      <c:catAx>
+        <c:axId val="505240992"/>
+        <c:scaling>
+          <c:orientation val="minMax"/>
+        </c:scaling>
+        <c:delete val="0"/>
+        <c:axPos val="b"/>
+        <c:majorGridlines>
+          <c:spPr>
+            <a:ln w="9525" cap="flat" cmpd="sng" algn="ctr">
+              <a:solidFill>
+                <a:schemeClr val="dk1">
+                  <a:lumMod val="15000"/>
+                  <a:lumOff val="85000"/>
+                </a:schemeClr>
+              </a:solidFill>
+              <a:round/>
+            </a:ln>
+            <a:effectLst/>
+          </c:spPr>
+        </c:majorGridlines>
+        <c:numFmt formatCode="General" sourceLinked="1"/>
+        <c:majorTickMark val="none"/>
+        <c:minorTickMark val="none"/>
+        <c:tickLblPos val="nextTo"/>
+        <c:spPr>
+          <a:noFill/>
+          <a:ln w="9525" cap="flat" cmpd="sng" algn="ctr">
+            <a:solidFill>
+              <a:schemeClr val="dk1">
+                <a:lumMod val="15000"/>
+                <a:lumOff val="85000"/>
+              </a:schemeClr>
+            </a:solidFill>
+            <a:round/>
+          </a:ln>
+          <a:effectLst/>
+        </c:spPr>
+        <c:txPr>
+          <a:bodyPr rot="-60000000" spcFirstLastPara="1" vertOverflow="ellipsis" vert="horz" wrap="square" anchor="ctr" anchorCtr="1"/>
+          <a:lstStyle/>
+          <a:p>
+            <a:pPr>
+              <a:defRPr sz="1197" b="0" i="0" u="none" strike="noStrike" kern="1200" cap="none" spc="0" normalizeH="0" baseline="0">
+                <a:solidFill>
+                  <a:schemeClr val="dk1">
+                    <a:lumMod val="65000"/>
+                    <a:lumOff val="35000"/>
+                  </a:schemeClr>
+                </a:solidFill>
+                <a:latin typeface="+mn-lt"/>
+                <a:ea typeface="+mn-ea"/>
+                <a:cs typeface="+mn-cs"/>
+              </a:defRPr>
+            </a:pPr>
+            <a:endParaRPr lang="zh-CN"/>
+          </a:p>
+        </c:txPr>
+        <c:crossAx val="505240576"/>
+        <c:crosses val="autoZero"/>
+        <c:auto val="1"/>
+        <c:lblAlgn val="ctr"/>
+        <c:lblOffset val="100"/>
+        <c:noMultiLvlLbl val="0"/>
+      </c:catAx>
+      <c:valAx>
+        <c:axId val="505240576"/>
+        <c:scaling>
+          <c:orientation val="minMax"/>
+          <c:max val="1"/>
+        </c:scaling>
+        <c:delete val="0"/>
+        <c:axPos val="l"/>
+        <c:majorGridlines>
+          <c:spPr>
+            <a:ln w="9525" cap="flat" cmpd="sng" algn="ctr">
+              <a:solidFill>
+                <a:schemeClr val="dk1">
+                  <a:lumMod val="15000"/>
+                  <a:lumOff val="85000"/>
+                </a:schemeClr>
+              </a:solidFill>
+              <a:round/>
+            </a:ln>
+            <a:effectLst/>
+          </c:spPr>
+        </c:majorGridlines>
+        <c:numFmt formatCode="General" sourceLinked="1"/>
+        <c:majorTickMark val="none"/>
+        <c:minorTickMark val="none"/>
+        <c:tickLblPos val="nextTo"/>
+        <c:spPr>
+          <a:noFill/>
+          <a:ln>
+            <a:noFill/>
+          </a:ln>
+          <a:effectLst/>
+        </c:spPr>
+        <c:txPr>
+          <a:bodyPr rot="-60000000" spcFirstLastPara="1" vertOverflow="ellipsis" vert="horz" wrap="square" anchor="ctr" anchorCtr="1"/>
+          <a:lstStyle/>
+          <a:p>
+            <a:pPr>
+              <a:defRPr sz="1197" b="0" i="0" u="none" strike="noStrike" kern="1200" baseline="0">
+                <a:solidFill>
+                  <a:schemeClr val="dk1">
+                    <a:lumMod val="65000"/>
+                    <a:lumOff val="35000"/>
+                  </a:schemeClr>
+                </a:solidFill>
+                <a:latin typeface="+mn-lt"/>
+                <a:ea typeface="+mn-ea"/>
+                <a:cs typeface="+mn-cs"/>
+              </a:defRPr>
+            </a:pPr>
+            <a:endParaRPr lang="zh-CN"/>
+          </a:p>
+        </c:txPr>
+        <c:crossAx val="505240992"/>
+        <c:crosses val="autoZero"/>
+        <c:crossBetween val="between"/>
+      </c:valAx>
+      <c:spPr>
+        <a:pattFill prst="ltDnDiag">
+          <a:fgClr>
+            <a:schemeClr val="dk1">
+              <a:lumMod val="15000"/>
+              <a:lumOff val="85000"/>
+            </a:schemeClr>
+          </a:fgClr>
+          <a:bgClr>
+            <a:schemeClr val="lt1"/>
+          </a:bgClr>
+        </a:pattFill>
+        <a:ln>
+          <a:gradFill>
+            <a:gsLst>
+              <a:gs pos="0">
+                <a:schemeClr val="accent1">
+                  <a:lumMod val="5000"/>
+                  <a:lumOff val="95000"/>
+                </a:schemeClr>
+              </a:gs>
+              <a:gs pos="74000">
+                <a:schemeClr val="accent1">
+                  <a:lumMod val="45000"/>
+                  <a:lumOff val="55000"/>
+                </a:schemeClr>
+              </a:gs>
+              <a:gs pos="83000">
+                <a:schemeClr val="accent1">
+                  <a:lumMod val="45000"/>
+                  <a:lumOff val="55000"/>
+                </a:schemeClr>
+              </a:gs>
+              <a:gs pos="100000">
+                <a:schemeClr val="accent1">
+                  <a:lumMod val="30000"/>
+                  <a:lumOff val="70000"/>
+                </a:schemeClr>
+              </a:gs>
+            </a:gsLst>
+            <a:lin ang="5400000" scaled="1"/>
+          </a:gradFill>
+        </a:ln>
+        <a:effectLst/>
+      </c:spPr>
+    </c:plotArea>
+    <c:legend>
+      <c:legendPos val="b"/>
+      <c:overlay val="0"/>
+      <c:spPr>
+        <a:noFill/>
+        <a:ln>
+          <a:noFill/>
+        </a:ln>
+        <a:effectLst/>
+      </c:spPr>
+      <c:txPr>
+        <a:bodyPr rot="0" spcFirstLastPara="1" vertOverflow="ellipsis" vert="horz" wrap="square" anchor="ctr" anchorCtr="1"/>
+        <a:lstStyle/>
+        <a:p>
+          <a:pPr>
+            <a:defRPr sz="1197" b="0" i="0" u="none" strike="noStrike" kern="1200" baseline="0">
+              <a:solidFill>
+                <a:schemeClr val="dk1">
+                  <a:lumMod val="65000"/>
+                  <a:lumOff val="35000"/>
+                </a:schemeClr>
+              </a:solidFill>
+              <a:latin typeface="+mn-lt"/>
+              <a:ea typeface="+mn-ea"/>
+              <a:cs typeface="+mn-cs"/>
+            </a:defRPr>
+          </a:pPr>
+          <a:endParaRPr lang="zh-CN"/>
+        </a:p>
+      </c:txPr>
+    </c:legend>
+    <c:plotVisOnly val="1"/>
+    <c:dispBlanksAs val="gap"/>
+    <c:extLst>
+      <c:ext xmlns:c16r3="http://schemas.microsoft.com/office/drawing/2017/03/chart" uri="{56B9EC1D-385E-4148-901F-78D8002777C0}">
+        <c16r3:dataDisplayOptions16>
+          <c16r3:dispNaAsBlank val="1"/>
+        </c16r3:dataDisplayOptions16>
+      </c:ext>
+    </c:extLst>
+    <c:showDLblsOverMax val="0"/>
+  </c:chart>
+  <c:spPr>
+    <a:solidFill>
+      <a:schemeClr val="lt1"/>
+    </a:solidFill>
+    <a:ln w="9525" cap="flat" cmpd="sng" algn="ctr">
+      <a:solidFill>
+        <a:schemeClr val="dk1">
+          <a:lumMod val="15000"/>
+          <a:lumOff val="85000"/>
+        </a:schemeClr>
+      </a:solidFill>
+      <a:round/>
+    </a:ln>
+    <a:effectLst/>
+  </c:spPr>
+  <c:txPr>
+    <a:bodyPr/>
+    <a:lstStyle/>
+    <a:p>
+      <a:pPr>
+        <a:defRPr/>
+      </a:pPr>
+      <a:endParaRPr lang="zh-CN"/>
+    </a:p>
+  </c:txPr>
+  <c:externalData r:id="rId3">
+    <c:autoUpdate val="0"/>
+  </c:externalData>
+</c:chartSpace>
+</file>
+
+<file path=ppt/charts/chart3.xml><?xml version="1.0" encoding="utf-8"?>
+<c:chartSpace xmlns:c="http://schemas.openxmlformats.org/drawingml/2006/chart" xmlns:a="http://schemas.openxmlformats.org/drawingml/2006/main" xmlns:r="http://schemas.openxmlformats.org/officeDocument/2006/relationships" xmlns:c16r2="http://schemas.microsoft.com/office/drawing/2015/06/chart">
+  <c:date1904 val="0"/>
+  <c:lang val="zh-CN"/>
+  <c:roundedCorners val="0"/>
+  <mc:AlternateContent xmlns:mc="http://schemas.openxmlformats.org/markup-compatibility/2006">
+    <mc:Choice xmlns:c14="http://schemas.microsoft.com/office/drawing/2007/8/2/chart" Requires="c14">
+      <c14:style val="102"/>
+    </mc:Choice>
+    <mc:Fallback>
+      <c:style val="2"/>
+    </mc:Fallback>
+  </mc:AlternateContent>
+  <c:chart>
+    <c:title>
+      <c:tx>
+        <c:rich>
+          <a:bodyPr rot="0" spcFirstLastPara="1" vertOverflow="ellipsis" vert="horz" wrap="square" anchor="ctr" anchorCtr="1"/>
+          <a:lstStyle/>
+          <a:p>
+            <a:pPr>
+              <a:defRPr sz="1862" b="0" i="0" u="none" strike="noStrike" kern="1200" cap="none" spc="20" baseline="0">
+                <a:solidFill>
+                  <a:schemeClr val="tx1">
+                    <a:lumMod val="50000"/>
+                    <a:lumOff val="50000"/>
+                  </a:schemeClr>
+                </a:solidFill>
+                <a:latin typeface="+mn-lt"/>
+                <a:ea typeface="+mn-ea"/>
+                <a:cs typeface="+mn-cs"/>
+              </a:defRPr>
+            </a:pPr>
+            <a:r>
+              <a:rPr lang="en-US" dirty="0"/>
+              <a:t> </a:t>
+            </a:r>
+            <a:r>
+              <a:rPr lang="zh-CN" dirty="0"/>
+              <a:t>顶点平均</a:t>
+            </a:r>
+            <a:r>
+              <a:rPr lang="en-US" dirty="0"/>
+              <a:t>t</a:t>
+            </a:r>
+            <a:r>
+              <a:rPr lang="en-US" altLang="zh-CN" dirty="0"/>
+              <a:t>r</a:t>
+            </a:r>
+            <a:r>
+              <a:rPr lang="en-US" dirty="0"/>
+              <a:t>uss</a:t>
+            </a:r>
+            <a:r>
+              <a:rPr lang="zh-CN" altLang="en-US" dirty="0"/>
+              <a:t>值</a:t>
+            </a:r>
+            <a:endParaRPr lang="zh-CN" dirty="0"/>
+          </a:p>
+        </c:rich>
+      </c:tx>
+      <c:overlay val="0"/>
+      <c:spPr>
+        <a:noFill/>
+        <a:ln>
+          <a:noFill/>
+        </a:ln>
+        <a:effectLst/>
+      </c:spPr>
+      <c:txPr>
+        <a:bodyPr rot="0" spcFirstLastPara="1" vertOverflow="ellipsis" vert="horz" wrap="square" anchor="ctr" anchorCtr="1"/>
+        <a:lstStyle/>
+        <a:p>
+          <a:pPr>
+            <a:defRPr sz="1862" b="0" i="0" u="none" strike="noStrike" kern="1200" cap="none" spc="20" baseline="0">
+              <a:solidFill>
+                <a:schemeClr val="tx1">
+                  <a:lumMod val="50000"/>
+                  <a:lumOff val="50000"/>
+                </a:schemeClr>
+              </a:solidFill>
+              <a:latin typeface="+mn-lt"/>
+              <a:ea typeface="+mn-ea"/>
+              <a:cs typeface="+mn-cs"/>
+            </a:defRPr>
+          </a:pPr>
+          <a:endParaRPr lang="zh-CN"/>
+        </a:p>
+      </c:txPr>
+    </c:title>
+    <c:autoTitleDeleted val="0"/>
+    <c:plotArea>
+      <c:layout/>
+      <c:barChart>
+        <c:barDir val="col"/>
+        <c:grouping val="clustered"/>
+        <c:varyColors val="0"/>
+        <c:ser>
+          <c:idx val="0"/>
+          <c:order val="0"/>
+          <c:tx>
+            <c:strRef>
+              <c:f>Sheet1!$B$1</c:f>
+              <c:strCache>
+                <c:ptCount val="1"/>
+                <c:pt idx="0">
+                  <c:v> ACCore</c:v>
+                </c:pt>
+              </c:strCache>
+            </c:strRef>
+          </c:tx>
+          <c:spPr>
+            <a:pattFill prst="dotGrid">
+              <a:fgClr>
+                <a:schemeClr val="accent1"/>
+              </a:fgClr>
+              <a:bgClr>
+                <a:schemeClr val="bg1"/>
+              </a:bgClr>
+            </a:pattFill>
+            <a:ln w="9525" cap="flat" cmpd="sng" algn="ctr">
+              <a:solidFill>
+                <a:schemeClr val="accent1">
+                  <a:shade val="95000"/>
+                </a:schemeClr>
+              </a:solidFill>
+              <a:round/>
+            </a:ln>
+            <a:effectLst/>
+          </c:spPr>
+          <c:invertIfNegative val="0"/>
+          <c:dLbls>
+            <c:delete val="1"/>
+          </c:dLbls>
+          <c:cat>
+            <c:strRef>
+              <c:f>Sheet1!$A$2</c:f>
+              <c:strCache>
+                <c:ptCount val="1"/>
+                <c:pt idx="0">
+                  <c:v>  DBLP</c:v>
+                </c:pt>
+              </c:strCache>
+            </c:strRef>
+          </c:cat>
+          <c:val>
+            <c:numRef>
+              <c:f>Sheet1!$B$2</c:f>
+              <c:numCache>
+                <c:formatCode>General</c:formatCode>
+                <c:ptCount val="1"/>
+                <c:pt idx="0">
+                  <c:v>11.8</c:v>
+                </c:pt>
+              </c:numCache>
+            </c:numRef>
+          </c:val>
+          <c:extLst>
+            <c:ext xmlns:c16="http://schemas.microsoft.com/office/drawing/2014/chart" uri="{C3380CC4-5D6E-409C-BE32-E72D297353CC}">
+              <c16:uniqueId val="{00000000-9785-4481-8015-C5A8960C9144}"/>
+            </c:ext>
+          </c:extLst>
+        </c:ser>
+        <c:ser>
+          <c:idx val="1"/>
+          <c:order val="1"/>
+          <c:tx>
+            <c:strRef>
+              <c:f>Sheet1!$C$1</c:f>
+              <c:strCache>
+                <c:ptCount val="1"/>
+                <c:pt idx="0">
+                  <c:v> ACTruss</c:v>
+                </c:pt>
+              </c:strCache>
+            </c:strRef>
+          </c:tx>
+          <c:spPr>
+            <a:pattFill prst="ltDnDiag">
+              <a:fgClr>
+                <a:schemeClr val="accent1"/>
+              </a:fgClr>
+              <a:bgClr>
+                <a:schemeClr val="bg1"/>
+              </a:bgClr>
+            </a:pattFill>
+            <a:ln w="9525" cap="flat" cmpd="sng" algn="ctr">
+              <a:solidFill>
+                <a:schemeClr val="accent2">
+                  <a:shade val="95000"/>
+                </a:schemeClr>
+              </a:solidFill>
+              <a:round/>
+            </a:ln>
+            <a:effectLst/>
+          </c:spPr>
+          <c:invertIfNegative val="0"/>
+          <c:dLbls>
+            <c:delete val="1"/>
+          </c:dLbls>
+          <c:cat>
+            <c:strRef>
+              <c:f>Sheet1!$A$2</c:f>
+              <c:strCache>
+                <c:ptCount val="1"/>
+                <c:pt idx="0">
+                  <c:v>  DBLP</c:v>
+                </c:pt>
+              </c:strCache>
+            </c:strRef>
+          </c:cat>
+          <c:val>
+            <c:numRef>
+              <c:f>Sheet1!$C$2</c:f>
+              <c:numCache>
+                <c:formatCode>General</c:formatCode>
+                <c:ptCount val="1"/>
+                <c:pt idx="0">
+                  <c:v>7</c:v>
+                </c:pt>
+              </c:numCache>
+            </c:numRef>
+          </c:val>
+          <c:extLst>
+            <c:ext xmlns:c16="http://schemas.microsoft.com/office/drawing/2014/chart" uri="{C3380CC4-5D6E-409C-BE32-E72D297353CC}">
+              <c16:uniqueId val="{00000001-9785-4481-8015-C5A8960C9144}"/>
+            </c:ext>
+          </c:extLst>
+        </c:ser>
+        <c:ser>
+          <c:idx val="2"/>
+          <c:order val="2"/>
+          <c:tx>
+            <c:strRef>
+              <c:f>Sheet1!$D$1</c:f>
+              <c:strCache>
+                <c:ptCount val="1"/>
+                <c:pt idx="0">
+                  <c:v> NCTruss</c:v>
+                </c:pt>
+              </c:strCache>
+            </c:strRef>
+          </c:tx>
+          <c:spPr>
+            <a:pattFill prst="openDmnd">
+              <a:fgClr>
+                <a:schemeClr val="accent1"/>
+              </a:fgClr>
+              <a:bgClr>
+                <a:schemeClr val="bg1"/>
+              </a:bgClr>
+            </a:pattFill>
+            <a:ln w="9525" cap="flat" cmpd="sng" algn="ctr">
+              <a:solidFill>
+                <a:schemeClr val="accent3">
+                  <a:shade val="95000"/>
+                </a:schemeClr>
+              </a:solidFill>
+              <a:round/>
+            </a:ln>
+            <a:effectLst/>
+          </c:spPr>
+          <c:invertIfNegative val="0"/>
+          <c:dLbls>
+            <c:delete val="1"/>
+          </c:dLbls>
+          <c:cat>
+            <c:strRef>
+              <c:f>Sheet1!$A$2</c:f>
+              <c:strCache>
+                <c:ptCount val="1"/>
+                <c:pt idx="0">
+                  <c:v>  DBLP</c:v>
+                </c:pt>
+              </c:strCache>
+            </c:strRef>
+          </c:cat>
+          <c:val>
+            <c:numRef>
+              <c:f>Sheet1!$D$2</c:f>
+              <c:numCache>
+                <c:formatCode>General</c:formatCode>
+                <c:ptCount val="1"/>
+                <c:pt idx="0">
+                  <c:v>14.1</c:v>
+                </c:pt>
+              </c:numCache>
+            </c:numRef>
+          </c:val>
+          <c:extLst>
+            <c:ext xmlns:c16="http://schemas.microsoft.com/office/drawing/2014/chart" uri="{C3380CC4-5D6E-409C-BE32-E72D297353CC}">
+              <c16:uniqueId val="{00000002-9785-4481-8015-C5A8960C9144}"/>
+            </c:ext>
+          </c:extLst>
+        </c:ser>
+        <c:dLbls>
+          <c:dLblPos val="outEnd"/>
+          <c:showLegendKey val="0"/>
+          <c:showVal val="1"/>
+          <c:showCatName val="0"/>
+          <c:showSerName val="0"/>
+          <c:showPercent val="0"/>
+          <c:showBubbleSize val="0"/>
+        </c:dLbls>
+        <c:gapWidth val="267"/>
+        <c:overlap val="-43"/>
+        <c:axId val="505240992"/>
+        <c:axId val="505240576"/>
+      </c:barChart>
+      <c:catAx>
+        <c:axId val="505240992"/>
+        <c:scaling>
+          <c:orientation val="minMax"/>
+        </c:scaling>
+        <c:delete val="1"/>
+        <c:axPos val="b"/>
+        <c:numFmt formatCode="General" sourceLinked="1"/>
+        <c:majorTickMark val="none"/>
+        <c:minorTickMark val="none"/>
+        <c:tickLblPos val="nextTo"/>
+        <c:crossAx val="505240576"/>
+        <c:crosses val="autoZero"/>
+        <c:auto val="1"/>
+        <c:lblAlgn val="ctr"/>
+        <c:lblOffset val="100"/>
+        <c:noMultiLvlLbl val="0"/>
+      </c:catAx>
+      <c:valAx>
+        <c:axId val="505240576"/>
+        <c:scaling>
+          <c:orientation val="minMax"/>
+          <c:max val="20"/>
+        </c:scaling>
+        <c:delete val="0"/>
+        <c:axPos val="l"/>
+        <c:majorGridlines>
+          <c:spPr>
+            <a:ln w="9525" cap="flat" cmpd="sng" algn="ctr">
+              <a:solidFill>
+                <a:schemeClr val="tx1">
+                  <a:lumMod val="15000"/>
+                  <a:lumOff val="85000"/>
+                </a:schemeClr>
+              </a:solidFill>
+              <a:round/>
+            </a:ln>
+            <a:effectLst/>
+          </c:spPr>
+        </c:majorGridlines>
+        <c:numFmt formatCode="General" sourceLinked="1"/>
+        <c:majorTickMark val="none"/>
+        <c:minorTickMark val="none"/>
+        <c:tickLblPos val="nextTo"/>
+        <c:spPr>
+          <a:noFill/>
+          <a:ln>
+            <a:noFill/>
+          </a:ln>
+          <a:effectLst/>
+        </c:spPr>
+        <c:txPr>
+          <a:bodyPr rot="-60000000" spcFirstLastPara="1" vertOverflow="ellipsis" vert="horz" wrap="square" anchor="ctr" anchorCtr="1"/>
+          <a:lstStyle/>
+          <a:p>
+            <a:pPr>
+              <a:defRPr sz="1197" b="0" i="0" u="none" strike="noStrike" kern="1200" baseline="0">
+                <a:solidFill>
+                  <a:schemeClr val="tx1">
+                    <a:lumMod val="50000"/>
+                    <a:lumOff val="50000"/>
                   </a:schemeClr>
                 </a:solidFill>
                 <a:latin typeface="+mn-lt"/>
@@ -742,9 +1525,770 @@
             <a:defRPr sz="1197" b="0" i="0" u="none" strike="noStrike" kern="1200" baseline="0">
               <a:solidFill>
                 <a:schemeClr val="tx1">
-                  <a:lumMod val="65000"/>
-                  <a:lumOff val="35000"/>
+                  <a:lumMod val="50000"/>
+                  <a:lumOff val="50000"/>
                 </a:schemeClr>
+              </a:solidFill>
+              <a:latin typeface="+mn-lt"/>
+              <a:ea typeface="+mn-ea"/>
+              <a:cs typeface="+mn-cs"/>
+            </a:defRPr>
+          </a:pPr>
+          <a:endParaRPr lang="zh-CN"/>
+        </a:p>
+      </c:txPr>
+    </c:legend>
+    <c:plotVisOnly val="1"/>
+    <c:dispBlanksAs val="gap"/>
+    <c:extLst>
+      <c:ext xmlns:c16r3="http://schemas.microsoft.com/office/drawing/2017/03/chart" uri="{56B9EC1D-385E-4148-901F-78D8002777C0}">
+        <c16r3:dataDisplayOptions16>
+          <c16r3:dispNaAsBlank val="1"/>
+        </c16r3:dataDisplayOptions16>
+      </c:ext>
+    </c:extLst>
+    <c:showDLblsOverMax val="0"/>
+  </c:chart>
+  <c:spPr>
+    <a:noFill/>
+    <a:ln>
+      <a:noFill/>
+    </a:ln>
+    <a:effectLst/>
+  </c:spPr>
+  <c:txPr>
+    <a:bodyPr/>
+    <a:lstStyle/>
+    <a:p>
+      <a:pPr>
+        <a:defRPr/>
+      </a:pPr>
+      <a:endParaRPr lang="zh-CN"/>
+    </a:p>
+  </c:txPr>
+  <c:externalData r:id="rId3">
+    <c:autoUpdate val="0"/>
+  </c:externalData>
+</c:chartSpace>
+</file>
+
+<file path=ppt/charts/chart4.xml><?xml version="1.0" encoding="utf-8"?>
+<c:chartSpace xmlns:c="http://schemas.openxmlformats.org/drawingml/2006/chart" xmlns:a="http://schemas.openxmlformats.org/drawingml/2006/main" xmlns:r="http://schemas.openxmlformats.org/officeDocument/2006/relationships" xmlns:c16r2="http://schemas.microsoft.com/office/drawing/2015/06/chart">
+  <c:date1904 val="0"/>
+  <c:lang val="zh-CN"/>
+  <c:roundedCorners val="0"/>
+  <mc:AlternateContent xmlns:mc="http://schemas.openxmlformats.org/markup-compatibility/2006">
+    <mc:Choice xmlns:c14="http://schemas.microsoft.com/office/drawing/2007/8/2/chart" Requires="c14">
+      <c14:style val="102"/>
+    </mc:Choice>
+    <mc:Fallback>
+      <c:style val="2"/>
+    </mc:Fallback>
+  </mc:AlternateContent>
+  <c:chart>
+    <c:title>
+      <c:tx>
+        <c:rich>
+          <a:bodyPr rot="0" spcFirstLastPara="1" vertOverflow="ellipsis" vert="horz" wrap="square" anchor="ctr" anchorCtr="1"/>
+          <a:lstStyle/>
+          <a:p>
+            <a:pPr>
+              <a:defRPr sz="1862" b="0" i="0" u="none" strike="noStrike" kern="1200" cap="none" spc="20" baseline="0">
+                <a:solidFill>
+                  <a:schemeClr val="tx1">
+                    <a:lumMod val="50000"/>
+                    <a:lumOff val="50000"/>
+                  </a:schemeClr>
+                </a:solidFill>
+                <a:latin typeface="+mn-lt"/>
+                <a:ea typeface="+mn-ea"/>
+                <a:cs typeface="+mn-cs"/>
+              </a:defRPr>
+            </a:pPr>
+            <a:r>
+              <a:rPr lang="en-US"/>
+              <a:t> </a:t>
+            </a:r>
+            <a:r>
+              <a:rPr lang="zh-CN"/>
+              <a:t>边平均</a:t>
+            </a:r>
+            <a:r>
+              <a:rPr lang="en-US"/>
+              <a:t>truss</a:t>
+            </a:r>
+            <a:r>
+              <a:rPr lang="zh-CN"/>
+              <a:t>值</a:t>
+            </a:r>
+          </a:p>
+        </c:rich>
+      </c:tx>
+      <c:overlay val="0"/>
+      <c:spPr>
+        <a:noFill/>
+        <a:ln>
+          <a:noFill/>
+        </a:ln>
+        <a:effectLst/>
+      </c:spPr>
+      <c:txPr>
+        <a:bodyPr rot="0" spcFirstLastPara="1" vertOverflow="ellipsis" vert="horz" wrap="square" anchor="ctr" anchorCtr="1"/>
+        <a:lstStyle/>
+        <a:p>
+          <a:pPr>
+            <a:defRPr sz="1862" b="0" i="0" u="none" strike="noStrike" kern="1200" cap="none" spc="20" baseline="0">
+              <a:solidFill>
+                <a:schemeClr val="tx1">
+                  <a:lumMod val="50000"/>
+                  <a:lumOff val="50000"/>
+                </a:schemeClr>
+              </a:solidFill>
+              <a:latin typeface="+mn-lt"/>
+              <a:ea typeface="+mn-ea"/>
+              <a:cs typeface="+mn-cs"/>
+            </a:defRPr>
+          </a:pPr>
+          <a:endParaRPr lang="zh-CN"/>
+        </a:p>
+      </c:txPr>
+    </c:title>
+    <c:autoTitleDeleted val="0"/>
+    <c:plotArea>
+      <c:layout/>
+      <c:barChart>
+        <c:barDir val="col"/>
+        <c:grouping val="clustered"/>
+        <c:varyColors val="0"/>
+        <c:ser>
+          <c:idx val="0"/>
+          <c:order val="0"/>
+          <c:tx>
+            <c:strRef>
+              <c:f>Sheet1!$B$1</c:f>
+              <c:strCache>
+                <c:ptCount val="1"/>
+                <c:pt idx="0">
+                  <c:v> ACCore</c:v>
+                </c:pt>
+              </c:strCache>
+            </c:strRef>
+          </c:tx>
+          <c:spPr>
+            <a:pattFill prst="dotGrid">
+              <a:fgClr>
+                <a:schemeClr val="accent1"/>
+              </a:fgClr>
+              <a:bgClr>
+                <a:schemeClr val="bg1"/>
+              </a:bgClr>
+            </a:pattFill>
+            <a:ln w="9525" cap="flat" cmpd="sng" algn="ctr">
+              <a:solidFill>
+                <a:schemeClr val="accent1">
+                  <a:shade val="95000"/>
+                </a:schemeClr>
+              </a:solidFill>
+              <a:round/>
+            </a:ln>
+            <a:effectLst/>
+          </c:spPr>
+          <c:invertIfNegative val="0"/>
+          <c:dLbls>
+            <c:delete val="1"/>
+          </c:dLbls>
+          <c:cat>
+            <c:strRef>
+              <c:f>Sheet1!$A$2</c:f>
+              <c:strCache>
+                <c:ptCount val="1"/>
+                <c:pt idx="0">
+                  <c:v>  DBLP</c:v>
+                </c:pt>
+              </c:strCache>
+            </c:strRef>
+          </c:cat>
+          <c:val>
+            <c:numRef>
+              <c:f>Sheet1!$B$2</c:f>
+              <c:numCache>
+                <c:formatCode>General</c:formatCode>
+                <c:ptCount val="1"/>
+                <c:pt idx="0">
+                  <c:v>8.3000000000000007</c:v>
+                </c:pt>
+              </c:numCache>
+            </c:numRef>
+          </c:val>
+          <c:extLst>
+            <c:ext xmlns:c16="http://schemas.microsoft.com/office/drawing/2014/chart" uri="{C3380CC4-5D6E-409C-BE32-E72D297353CC}">
+              <c16:uniqueId val="{00000000-D4B0-408C-8E67-2FE86A5D0505}"/>
+            </c:ext>
+          </c:extLst>
+        </c:ser>
+        <c:ser>
+          <c:idx val="1"/>
+          <c:order val="1"/>
+          <c:tx>
+            <c:strRef>
+              <c:f>Sheet1!$C$1</c:f>
+              <c:strCache>
+                <c:ptCount val="1"/>
+                <c:pt idx="0">
+                  <c:v> ACTruss</c:v>
+                </c:pt>
+              </c:strCache>
+            </c:strRef>
+          </c:tx>
+          <c:spPr>
+            <a:pattFill prst="ltDnDiag">
+              <a:fgClr>
+                <a:schemeClr val="accent1"/>
+              </a:fgClr>
+              <a:bgClr>
+                <a:schemeClr val="bg1"/>
+              </a:bgClr>
+            </a:pattFill>
+            <a:ln w="9525" cap="flat" cmpd="sng" algn="ctr">
+              <a:solidFill>
+                <a:schemeClr val="accent2">
+                  <a:shade val="95000"/>
+                </a:schemeClr>
+              </a:solidFill>
+              <a:round/>
+            </a:ln>
+            <a:effectLst/>
+          </c:spPr>
+          <c:invertIfNegative val="0"/>
+          <c:dLbls>
+            <c:delete val="1"/>
+          </c:dLbls>
+          <c:cat>
+            <c:strRef>
+              <c:f>Sheet1!$A$2</c:f>
+              <c:strCache>
+                <c:ptCount val="1"/>
+                <c:pt idx="0">
+                  <c:v>  DBLP</c:v>
+                </c:pt>
+              </c:strCache>
+            </c:strRef>
+          </c:cat>
+          <c:val>
+            <c:numRef>
+              <c:f>Sheet1!$C$2</c:f>
+              <c:numCache>
+                <c:formatCode>General</c:formatCode>
+                <c:ptCount val="1"/>
+                <c:pt idx="0">
+                  <c:v>7.5</c:v>
+                </c:pt>
+              </c:numCache>
+            </c:numRef>
+          </c:val>
+          <c:extLst>
+            <c:ext xmlns:c16="http://schemas.microsoft.com/office/drawing/2014/chart" uri="{C3380CC4-5D6E-409C-BE32-E72D297353CC}">
+              <c16:uniqueId val="{00000001-D4B0-408C-8E67-2FE86A5D0505}"/>
+            </c:ext>
+          </c:extLst>
+        </c:ser>
+        <c:ser>
+          <c:idx val="2"/>
+          <c:order val="2"/>
+          <c:tx>
+            <c:strRef>
+              <c:f>Sheet1!$D$1</c:f>
+              <c:strCache>
+                <c:ptCount val="1"/>
+                <c:pt idx="0">
+                  <c:v> NCTruss</c:v>
+                </c:pt>
+              </c:strCache>
+            </c:strRef>
+          </c:tx>
+          <c:spPr>
+            <a:pattFill prst="openDmnd">
+              <a:fgClr>
+                <a:schemeClr val="accent1"/>
+              </a:fgClr>
+              <a:bgClr>
+                <a:schemeClr val="bg1"/>
+              </a:bgClr>
+            </a:pattFill>
+            <a:ln w="9525" cap="flat" cmpd="sng" algn="ctr">
+              <a:solidFill>
+                <a:schemeClr val="accent3">
+                  <a:shade val="95000"/>
+                </a:schemeClr>
+              </a:solidFill>
+              <a:round/>
+            </a:ln>
+            <a:effectLst/>
+          </c:spPr>
+          <c:invertIfNegative val="0"/>
+          <c:dLbls>
+            <c:delete val="1"/>
+          </c:dLbls>
+          <c:cat>
+            <c:strRef>
+              <c:f>Sheet1!$A$2</c:f>
+              <c:strCache>
+                <c:ptCount val="1"/>
+                <c:pt idx="0">
+                  <c:v>  DBLP</c:v>
+                </c:pt>
+              </c:strCache>
+            </c:strRef>
+          </c:cat>
+          <c:val>
+            <c:numRef>
+              <c:f>Sheet1!$D$2</c:f>
+              <c:numCache>
+                <c:formatCode>General</c:formatCode>
+                <c:ptCount val="1"/>
+                <c:pt idx="0">
+                  <c:v>14.8</c:v>
+                </c:pt>
+              </c:numCache>
+            </c:numRef>
+          </c:val>
+          <c:extLst>
+            <c:ext xmlns:c16="http://schemas.microsoft.com/office/drawing/2014/chart" uri="{C3380CC4-5D6E-409C-BE32-E72D297353CC}">
+              <c16:uniqueId val="{00000002-D4B0-408C-8E67-2FE86A5D0505}"/>
+            </c:ext>
+          </c:extLst>
+        </c:ser>
+        <c:dLbls>
+          <c:dLblPos val="outEnd"/>
+          <c:showLegendKey val="0"/>
+          <c:showVal val="1"/>
+          <c:showCatName val="0"/>
+          <c:showSerName val="0"/>
+          <c:showPercent val="0"/>
+          <c:showBubbleSize val="0"/>
+        </c:dLbls>
+        <c:gapWidth val="267"/>
+        <c:overlap val="-43"/>
+        <c:axId val="505240992"/>
+        <c:axId val="505240576"/>
+      </c:barChart>
+      <c:catAx>
+        <c:axId val="505240992"/>
+        <c:scaling>
+          <c:orientation val="minMax"/>
+        </c:scaling>
+        <c:delete val="1"/>
+        <c:axPos val="b"/>
+        <c:numFmt formatCode="General" sourceLinked="1"/>
+        <c:majorTickMark val="none"/>
+        <c:minorTickMark val="none"/>
+        <c:tickLblPos val="nextTo"/>
+        <c:crossAx val="505240576"/>
+        <c:crosses val="autoZero"/>
+        <c:auto val="1"/>
+        <c:lblAlgn val="ctr"/>
+        <c:lblOffset val="100"/>
+        <c:noMultiLvlLbl val="0"/>
+      </c:catAx>
+      <c:valAx>
+        <c:axId val="505240576"/>
+        <c:scaling>
+          <c:orientation val="minMax"/>
+          <c:max val="16"/>
+        </c:scaling>
+        <c:delete val="0"/>
+        <c:axPos val="l"/>
+        <c:majorGridlines>
+          <c:spPr>
+            <a:ln w="9525" cap="flat" cmpd="sng" algn="ctr">
+              <a:solidFill>
+                <a:schemeClr val="tx1">
+                  <a:lumMod val="15000"/>
+                  <a:lumOff val="85000"/>
+                </a:schemeClr>
+              </a:solidFill>
+              <a:round/>
+            </a:ln>
+            <a:effectLst/>
+          </c:spPr>
+        </c:majorGridlines>
+        <c:numFmt formatCode="General" sourceLinked="1"/>
+        <c:majorTickMark val="none"/>
+        <c:minorTickMark val="none"/>
+        <c:tickLblPos val="nextTo"/>
+        <c:spPr>
+          <a:noFill/>
+          <a:ln>
+            <a:noFill/>
+          </a:ln>
+          <a:effectLst/>
+        </c:spPr>
+        <c:txPr>
+          <a:bodyPr rot="-60000000" spcFirstLastPara="1" vertOverflow="ellipsis" vert="horz" wrap="square" anchor="ctr" anchorCtr="1"/>
+          <a:lstStyle/>
+          <a:p>
+            <a:pPr>
+              <a:defRPr sz="1197" b="0" i="0" u="none" strike="noStrike" kern="1200" baseline="0">
+                <a:solidFill>
+                  <a:schemeClr val="tx1">
+                    <a:lumMod val="50000"/>
+                    <a:lumOff val="50000"/>
+                  </a:schemeClr>
+                </a:solidFill>
+                <a:latin typeface="+mn-lt"/>
+                <a:ea typeface="+mn-ea"/>
+                <a:cs typeface="+mn-cs"/>
+              </a:defRPr>
+            </a:pPr>
+            <a:endParaRPr lang="zh-CN"/>
+          </a:p>
+        </c:txPr>
+        <c:crossAx val="505240992"/>
+        <c:crosses val="autoZero"/>
+        <c:crossBetween val="between"/>
+      </c:valAx>
+      <c:spPr>
+        <a:noFill/>
+        <a:ln>
+          <a:noFill/>
+        </a:ln>
+        <a:effectLst/>
+      </c:spPr>
+    </c:plotArea>
+    <c:legend>
+      <c:legendPos val="b"/>
+      <c:overlay val="0"/>
+      <c:spPr>
+        <a:noFill/>
+        <a:ln>
+          <a:noFill/>
+        </a:ln>
+        <a:effectLst/>
+      </c:spPr>
+      <c:txPr>
+        <a:bodyPr rot="0" spcFirstLastPara="1" vertOverflow="ellipsis" vert="horz" wrap="square" anchor="ctr" anchorCtr="1"/>
+        <a:lstStyle/>
+        <a:p>
+          <a:pPr>
+            <a:defRPr sz="1197" b="0" i="0" u="none" strike="noStrike" kern="1200" baseline="0">
+              <a:solidFill>
+                <a:schemeClr val="tx1">
+                  <a:lumMod val="50000"/>
+                  <a:lumOff val="50000"/>
+                </a:schemeClr>
+              </a:solidFill>
+              <a:latin typeface="+mn-lt"/>
+              <a:ea typeface="+mn-ea"/>
+              <a:cs typeface="+mn-cs"/>
+            </a:defRPr>
+          </a:pPr>
+          <a:endParaRPr lang="zh-CN"/>
+        </a:p>
+      </c:txPr>
+    </c:legend>
+    <c:plotVisOnly val="1"/>
+    <c:dispBlanksAs val="gap"/>
+    <c:extLst>
+      <c:ext xmlns:c16r3="http://schemas.microsoft.com/office/drawing/2017/03/chart" uri="{56B9EC1D-385E-4148-901F-78D8002777C0}">
+        <c16r3:dataDisplayOptions16>
+          <c16r3:dispNaAsBlank val="1"/>
+        </c16r3:dataDisplayOptions16>
+      </c:ext>
+    </c:extLst>
+    <c:showDLblsOverMax val="0"/>
+  </c:chart>
+  <c:spPr>
+    <a:noFill/>
+    <a:ln>
+      <a:noFill/>
+    </a:ln>
+    <a:effectLst/>
+  </c:spPr>
+  <c:txPr>
+    <a:bodyPr/>
+    <a:lstStyle/>
+    <a:p>
+      <a:pPr>
+        <a:defRPr/>
+      </a:pPr>
+      <a:endParaRPr lang="zh-CN"/>
+    </a:p>
+  </c:txPr>
+  <c:externalData r:id="rId3">
+    <c:autoUpdate val="0"/>
+  </c:externalData>
+</c:chartSpace>
+</file>
+
+<file path=ppt/charts/chart5.xml><?xml version="1.0" encoding="utf-8"?>
+<c:chartSpace xmlns:c="http://schemas.openxmlformats.org/drawingml/2006/chart" xmlns:a="http://schemas.openxmlformats.org/drawingml/2006/main" xmlns:r="http://schemas.openxmlformats.org/officeDocument/2006/relationships" xmlns:c16r2="http://schemas.microsoft.com/office/drawing/2015/06/chart">
+  <c:date1904 val="0"/>
+  <c:lang val="zh-CN"/>
+  <c:roundedCorners val="0"/>
+  <mc:AlternateContent xmlns:mc="http://schemas.openxmlformats.org/markup-compatibility/2006">
+    <mc:Choice xmlns:c14="http://schemas.microsoft.com/office/drawing/2007/8/2/chart" Requires="c14">
+      <c14:style val="102"/>
+    </mc:Choice>
+    <mc:Fallback>
+      <c:style val="2"/>
+    </mc:Fallback>
+  </mc:AlternateContent>
+  <c:chart>
+    <c:title>
+      <c:overlay val="0"/>
+      <c:spPr>
+        <a:noFill/>
+        <a:ln>
+          <a:noFill/>
+        </a:ln>
+        <a:effectLst/>
+      </c:spPr>
+      <c:txPr>
+        <a:bodyPr rot="0" spcFirstLastPara="1" vertOverflow="ellipsis" vert="horz" wrap="square" anchor="ctr" anchorCtr="1"/>
+        <a:lstStyle/>
+        <a:p>
+          <a:pPr>
+            <a:defRPr sz="2128" b="1" i="0" u="none" strike="noStrike" kern="1200" baseline="0">
+              <a:solidFill>
+                <a:schemeClr val="tx2"/>
+              </a:solidFill>
+              <a:latin typeface="+mn-lt"/>
+              <a:ea typeface="+mn-ea"/>
+              <a:cs typeface="+mn-cs"/>
+            </a:defRPr>
+          </a:pPr>
+          <a:endParaRPr lang="zh-CN"/>
+        </a:p>
+      </c:txPr>
+    </c:title>
+    <c:autoTitleDeleted val="0"/>
+    <c:plotArea>
+      <c:layout/>
+      <c:pieChart>
+        <c:varyColors val="0"/>
+        <c:ser>
+          <c:idx val="0"/>
+          <c:order val="0"/>
+          <c:tx>
+            <c:strRef>
+              <c:f>Sheet1!$B$1</c:f>
+              <c:strCache>
+                <c:ptCount val="1"/>
+                <c:pt idx="0">
+                  <c:v>  性能区间</c:v>
+                </c:pt>
+              </c:strCache>
+            </c:strRef>
+          </c:tx>
+          <c:spPr>
+            <a:gradFill rotWithShape="1">
+              <a:gsLst>
+                <a:gs pos="0">
+                  <a:schemeClr val="accent1">
+                    <a:satMod val="103000"/>
+                    <a:lumMod val="102000"/>
+                    <a:tint val="94000"/>
+                  </a:schemeClr>
+                </a:gs>
+                <a:gs pos="50000">
+                  <a:schemeClr val="accent1">
+                    <a:satMod val="110000"/>
+                    <a:lumMod val="100000"/>
+                    <a:shade val="100000"/>
+                  </a:schemeClr>
+                </a:gs>
+                <a:gs pos="100000">
+                  <a:schemeClr val="accent1">
+                    <a:lumMod val="99000"/>
+                    <a:satMod val="120000"/>
+                    <a:shade val="78000"/>
+                  </a:schemeClr>
+                </a:gs>
+              </a:gsLst>
+              <a:lin ang="5400000" scaled="0"/>
+            </a:gradFill>
+            <a:ln>
+              <a:noFill/>
+            </a:ln>
+            <a:effectLst/>
+          </c:spPr>
+          <c:dPt>
+            <c:idx val="1"/>
+            <c:bubble3D val="0"/>
+            <c:spPr>
+              <a:pattFill prst="wave">
+                <a:fgClr>
+                  <a:schemeClr val="accent1"/>
+                </a:fgClr>
+                <a:bgClr>
+                  <a:schemeClr val="bg1"/>
+                </a:bgClr>
+              </a:pattFill>
+              <a:ln>
+                <a:noFill/>
+              </a:ln>
+              <a:effectLst/>
+            </c:spPr>
+            <c:extLst>
+              <c:ext xmlns:c16="http://schemas.microsoft.com/office/drawing/2014/chart" uri="{C3380CC4-5D6E-409C-BE32-E72D297353CC}">
+                <c16:uniqueId val="{00000003-4C16-4D33-8F73-73D1E5028C06}"/>
+              </c:ext>
+            </c:extLst>
+          </c:dPt>
+          <c:dPt>
+            <c:idx val="2"/>
+            <c:bubble3D val="0"/>
+            <c:spPr>
+              <a:pattFill prst="pct5">
+                <a:fgClr>
+                  <a:schemeClr val="accent1"/>
+                </a:fgClr>
+                <a:bgClr>
+                  <a:schemeClr val="bg1"/>
+                </a:bgClr>
+              </a:pattFill>
+              <a:ln>
+                <a:noFill/>
+              </a:ln>
+              <a:effectLst/>
+            </c:spPr>
+            <c:extLst>
+              <c:ext xmlns:c16="http://schemas.microsoft.com/office/drawing/2014/chart" uri="{C3380CC4-5D6E-409C-BE32-E72D297353CC}">
+                <c16:uniqueId val="{00000004-4C16-4D33-8F73-73D1E5028C06}"/>
+              </c:ext>
+            </c:extLst>
+          </c:dPt>
+          <c:dLbls>
+            <c:spPr>
+              <a:noFill/>
+              <a:ln>
+                <a:noFill/>
+              </a:ln>
+              <a:effectLst/>
+            </c:spPr>
+            <c:txPr>
+              <a:bodyPr rot="0" spcFirstLastPara="1" vertOverflow="ellipsis" vert="horz" wrap="square" lIns="38100" tIns="19050" rIns="38100" bIns="19050" anchor="ctr" anchorCtr="1">
+                <a:spAutoFit/>
+              </a:bodyPr>
+              <a:lstStyle/>
+              <a:p>
+                <a:pPr>
+                  <a:defRPr sz="1197" b="0" i="0" u="none" strike="noStrike" kern="1200" baseline="0">
+                    <a:solidFill>
+                      <a:schemeClr val="tx2"/>
+                    </a:solidFill>
+                    <a:latin typeface="+mn-lt"/>
+                    <a:ea typeface="+mn-ea"/>
+                    <a:cs typeface="+mn-cs"/>
+                  </a:defRPr>
+                </a:pPr>
+                <a:endParaRPr lang="zh-CN"/>
+              </a:p>
+            </c:txPr>
+            <c:dLblPos val="ctr"/>
+            <c:showLegendKey val="0"/>
+            <c:showVal val="0"/>
+            <c:showCatName val="0"/>
+            <c:showSerName val="0"/>
+            <c:showPercent val="1"/>
+            <c:showBubbleSize val="0"/>
+            <c:showLeaderLines val="1"/>
+            <c:leaderLines>
+              <c:spPr>
+                <a:ln w="9525">
+                  <a:solidFill>
+                    <a:schemeClr val="tx2">
+                      <a:lumMod val="35000"/>
+                      <a:lumOff val="65000"/>
+                    </a:schemeClr>
+                  </a:solidFill>
+                </a:ln>
+                <a:effectLst/>
+              </c:spPr>
+            </c:leaderLines>
+            <c:extLst>
+              <c:ext xmlns:c15="http://schemas.microsoft.com/office/drawing/2012/chart" uri="{CE6537A1-D6FC-4f65-9D91-7224C49458BB}"/>
+            </c:extLst>
+          </c:dLbls>
+          <c:cat>
+            <c:strRef>
+              <c:f>Sheet1!$A$2:$A$4</c:f>
+              <c:strCache>
+                <c:ptCount val="3"/>
+                <c:pt idx="0">
+                  <c:v> 网络</c:v>
+                </c:pt>
+                <c:pt idx="1">
+                  <c:v> DOM构建</c:v>
+                </c:pt>
+                <c:pt idx="2">
+                  <c:v> 资源渲染</c:v>
+                </c:pt>
+              </c:strCache>
+            </c:strRef>
+          </c:cat>
+          <c:val>
+            <c:numRef>
+              <c:f>Sheet1!$B$2:$B$4</c:f>
+              <c:numCache>
+                <c:formatCode>General</c:formatCode>
+                <c:ptCount val="3"/>
+                <c:pt idx="0">
+                  <c:v>44</c:v>
+                </c:pt>
+                <c:pt idx="1">
+                  <c:v>1460</c:v>
+                </c:pt>
+                <c:pt idx="2">
+                  <c:v>9</c:v>
+                </c:pt>
+              </c:numCache>
+            </c:numRef>
+          </c:val>
+          <c:extLst>
+            <c:ext xmlns:c16="http://schemas.microsoft.com/office/drawing/2014/chart" uri="{C3380CC4-5D6E-409C-BE32-E72D297353CC}">
+              <c16:uniqueId val="{00000000-4C16-4D33-8F73-73D1E5028C06}"/>
+            </c:ext>
+          </c:extLst>
+        </c:ser>
+        <c:dLbls>
+          <c:dLblPos val="ctr"/>
+          <c:showLegendKey val="0"/>
+          <c:showVal val="0"/>
+          <c:showCatName val="0"/>
+          <c:showSerName val="0"/>
+          <c:showPercent val="1"/>
+          <c:showBubbleSize val="0"/>
+          <c:showLeaderLines val="1"/>
+        </c:dLbls>
+        <c:firstSliceAng val="0"/>
+      </c:pieChart>
+      <c:spPr>
+        <a:noFill/>
+        <a:ln>
+          <a:noFill/>
+        </a:ln>
+        <a:effectLst/>
+      </c:spPr>
+    </c:plotArea>
+    <c:legend>
+      <c:legendPos val="b"/>
+      <c:overlay val="0"/>
+      <c:spPr>
+        <a:noFill/>
+        <a:ln>
+          <a:noFill/>
+        </a:ln>
+        <a:effectLst/>
+      </c:spPr>
+      <c:txPr>
+        <a:bodyPr rot="0" spcFirstLastPara="1" vertOverflow="ellipsis" vert="horz" wrap="square" anchor="ctr" anchorCtr="1"/>
+        <a:lstStyle/>
+        <a:p>
+          <a:pPr>
+            <a:defRPr sz="1197" b="0" i="0" u="none" strike="noStrike" kern="1200" baseline="0">
+              <a:solidFill>
+                <a:schemeClr val="tx2"/>
               </a:solidFill>
               <a:latin typeface="+mn-lt"/>
               <a:ea typeface="+mn-ea"/>
@@ -829,26 +2373,186 @@
 </cs:colorStyle>
 </file>
 
+<file path=ppt/charts/colors2.xml><?xml version="1.0" encoding="utf-8"?>
+<cs:colorStyle xmlns:cs="http://schemas.microsoft.com/office/drawing/2012/chartStyle" xmlns:a="http://schemas.openxmlformats.org/drawingml/2006/main" meth="cycle" id="10">
+  <a:schemeClr val="accent1"/>
+  <a:schemeClr val="accent2"/>
+  <a:schemeClr val="accent3"/>
+  <a:schemeClr val="accent4"/>
+  <a:schemeClr val="accent5"/>
+  <a:schemeClr val="accent6"/>
+  <cs:variation/>
+  <cs:variation>
+    <a:lumMod val="60000"/>
+  </cs:variation>
+  <cs:variation>
+    <a:lumMod val="80000"/>
+    <a:lumOff val="20000"/>
+  </cs:variation>
+  <cs:variation>
+    <a:lumMod val="80000"/>
+  </cs:variation>
+  <cs:variation>
+    <a:lumMod val="60000"/>
+    <a:lumOff val="40000"/>
+  </cs:variation>
+  <cs:variation>
+    <a:lumMod val="50000"/>
+  </cs:variation>
+  <cs:variation>
+    <a:lumMod val="70000"/>
+    <a:lumOff val="30000"/>
+  </cs:variation>
+  <cs:variation>
+    <a:lumMod val="70000"/>
+  </cs:variation>
+  <cs:variation>
+    <a:lumMod val="50000"/>
+    <a:lumOff val="50000"/>
+  </cs:variation>
+</cs:colorStyle>
+</file>
+
+<file path=ppt/charts/colors3.xml><?xml version="1.0" encoding="utf-8"?>
+<cs:colorStyle xmlns:cs="http://schemas.microsoft.com/office/drawing/2012/chartStyle" xmlns:a="http://schemas.openxmlformats.org/drawingml/2006/main" meth="cycle" id="10">
+  <a:schemeClr val="accent1"/>
+  <a:schemeClr val="accent2"/>
+  <a:schemeClr val="accent3"/>
+  <a:schemeClr val="accent4"/>
+  <a:schemeClr val="accent5"/>
+  <a:schemeClr val="accent6"/>
+  <cs:variation/>
+  <cs:variation>
+    <a:lumMod val="60000"/>
+  </cs:variation>
+  <cs:variation>
+    <a:lumMod val="80000"/>
+    <a:lumOff val="20000"/>
+  </cs:variation>
+  <cs:variation>
+    <a:lumMod val="80000"/>
+  </cs:variation>
+  <cs:variation>
+    <a:lumMod val="60000"/>
+    <a:lumOff val="40000"/>
+  </cs:variation>
+  <cs:variation>
+    <a:lumMod val="50000"/>
+  </cs:variation>
+  <cs:variation>
+    <a:lumMod val="70000"/>
+    <a:lumOff val="30000"/>
+  </cs:variation>
+  <cs:variation>
+    <a:lumMod val="70000"/>
+  </cs:variation>
+  <cs:variation>
+    <a:lumMod val="50000"/>
+    <a:lumOff val="50000"/>
+  </cs:variation>
+</cs:colorStyle>
+</file>
+
+<file path=ppt/charts/colors4.xml><?xml version="1.0" encoding="utf-8"?>
+<cs:colorStyle xmlns:cs="http://schemas.microsoft.com/office/drawing/2012/chartStyle" xmlns:a="http://schemas.openxmlformats.org/drawingml/2006/main" meth="cycle" id="10">
+  <a:schemeClr val="accent1"/>
+  <a:schemeClr val="accent2"/>
+  <a:schemeClr val="accent3"/>
+  <a:schemeClr val="accent4"/>
+  <a:schemeClr val="accent5"/>
+  <a:schemeClr val="accent6"/>
+  <cs:variation/>
+  <cs:variation>
+    <a:lumMod val="60000"/>
+  </cs:variation>
+  <cs:variation>
+    <a:lumMod val="80000"/>
+    <a:lumOff val="20000"/>
+  </cs:variation>
+  <cs:variation>
+    <a:lumMod val="80000"/>
+  </cs:variation>
+  <cs:variation>
+    <a:lumMod val="60000"/>
+    <a:lumOff val="40000"/>
+  </cs:variation>
+  <cs:variation>
+    <a:lumMod val="50000"/>
+  </cs:variation>
+  <cs:variation>
+    <a:lumMod val="70000"/>
+    <a:lumOff val="30000"/>
+  </cs:variation>
+  <cs:variation>
+    <a:lumMod val="70000"/>
+  </cs:variation>
+  <cs:variation>
+    <a:lumMod val="50000"/>
+    <a:lumOff val="50000"/>
+  </cs:variation>
+</cs:colorStyle>
+</file>
+
+<file path=ppt/charts/colors5.xml><?xml version="1.0" encoding="utf-8"?>
+<cs:colorStyle xmlns:cs="http://schemas.microsoft.com/office/drawing/2012/chartStyle" xmlns:a="http://schemas.openxmlformats.org/drawingml/2006/main" meth="cycle" id="10">
+  <a:schemeClr val="accent1"/>
+  <a:schemeClr val="accent2"/>
+  <a:schemeClr val="accent3"/>
+  <a:schemeClr val="accent4"/>
+  <a:schemeClr val="accent5"/>
+  <a:schemeClr val="accent6"/>
+  <cs:variation/>
+  <cs:variation>
+    <a:lumMod val="60000"/>
+  </cs:variation>
+  <cs:variation>
+    <a:lumMod val="80000"/>
+    <a:lumOff val="20000"/>
+  </cs:variation>
+  <cs:variation>
+    <a:lumMod val="80000"/>
+  </cs:variation>
+  <cs:variation>
+    <a:lumMod val="60000"/>
+    <a:lumOff val="40000"/>
+  </cs:variation>
+  <cs:variation>
+    <a:lumMod val="50000"/>
+  </cs:variation>
+  <cs:variation>
+    <a:lumMod val="70000"/>
+    <a:lumOff val="30000"/>
+  </cs:variation>
+  <cs:variation>
+    <a:lumMod val="70000"/>
+  </cs:variation>
+  <cs:variation>
+    <a:lumMod val="50000"/>
+    <a:lumOff val="50000"/>
+  </cs:variation>
+</cs:colorStyle>
+</file>
+
 <file path=ppt/charts/style1.xml><?xml version="1.0" encoding="utf-8"?>
-<cs:chartStyle xmlns:cs="http://schemas.microsoft.com/office/drawing/2012/chartStyle" xmlns:a="http://schemas.openxmlformats.org/drawingml/2006/main" id="210">
+<cs:chartStyle xmlns:cs="http://schemas.microsoft.com/office/drawing/2012/chartStyle" xmlns:a="http://schemas.openxmlformats.org/drawingml/2006/main" id="208">
   <cs:axisTitle>
     <cs:lnRef idx="0"/>
     <cs:fillRef idx="0"/>
     <cs:effectRef idx="0"/>
     <cs:fontRef idx="minor">
-      <a:schemeClr val="tx1">
+      <a:schemeClr val="dk1">
         <a:lumMod val="65000"/>
         <a:lumOff val="35000"/>
       </a:schemeClr>
     </cs:fontRef>
-    <cs:defRPr sz="1197" kern="1200" cap="all"/>
+    <cs:defRPr sz="1197" b="1" kern="1200"/>
   </cs:axisTitle>
   <cs:categoryAxis>
     <cs:lnRef idx="0"/>
     <cs:fillRef idx="0"/>
     <cs:effectRef idx="0"/>
     <cs:fontRef idx="minor">
-      <a:schemeClr val="tx1">
+      <a:schemeClr val="dk1">
         <a:lumMod val="65000"/>
         <a:lumOff val="35000"/>
       </a:schemeClr>
@@ -856,7 +2560,7 @@
     <cs:spPr>
       <a:ln w="9525" cap="flat" cmpd="sng" algn="ctr">
         <a:solidFill>
-          <a:schemeClr val="tx1">
+          <a:schemeClr val="dk1">
             <a:lumMod val="15000"/>
             <a:lumOff val="85000"/>
           </a:schemeClr>
@@ -864,9 +2568,9 @@
         <a:round/>
       </a:ln>
     </cs:spPr>
-    <cs:defRPr sz="1197" kern="1200"/>
+    <cs:defRPr sz="1197" kern="1200" cap="none" spc="0" normalizeH="0" baseline="0"/>
   </cs:categoryAxis>
-  <cs:chartArea mods="allowNoFillOverride allowNoLineOverride">
+  <cs:chartArea>
     <cs:lnRef idx="0"/>
     <cs:fillRef idx="0"/>
     <cs:effectRef idx="0"/>
@@ -875,11 +2579,11 @@
     </cs:fontRef>
     <cs:spPr>
       <a:solidFill>
-        <a:schemeClr val="bg1"/>
+        <a:schemeClr val="lt1"/>
       </a:solidFill>
       <a:ln w="9525" cap="flat" cmpd="sng" algn="ctr">
         <a:solidFill>
-          <a:schemeClr val="tx1">
+          <a:schemeClr val="dk1">
             <a:lumMod val="15000"/>
             <a:lumOff val="85000"/>
           </a:schemeClr>
@@ -894,7 +2598,7 @@
     <cs:fillRef idx="0"/>
     <cs:effectRef idx="0"/>
     <cs:fontRef idx="minor">
-      <a:schemeClr val="tx1">
+      <a:schemeClr val="dk1">
         <a:lumMod val="75000"/>
         <a:lumOff val="25000"/>
       </a:schemeClr>
@@ -906,15 +2610,23 @@
     <cs:fillRef idx="0"/>
     <cs:effectRef idx="0"/>
     <cs:fontRef idx="minor">
-      <a:schemeClr val="bg1"/>
+      <a:schemeClr val="dk1">
+        <a:lumMod val="65000"/>
+        <a:lumOff val="35000"/>
+      </a:schemeClr>
     </cs:fontRef>
     <cs:spPr>
       <a:solidFill>
-        <a:schemeClr val="tx1">
-          <a:lumMod val="50000"/>
-          <a:lumOff val="50000"/>
-        </a:schemeClr>
+        <a:schemeClr val="lt1"/>
       </a:solidFill>
+      <a:ln>
+        <a:solidFill>
+          <a:schemeClr val="dk1">
+            <a:lumMod val="25000"/>
+            <a:lumOff val="75000"/>
+          </a:schemeClr>
+        </a:solidFill>
+      </a:ln>
     </cs:spPr>
     <cs:defRPr sz="1197" kern="1200"/>
     <cs:bodyPr rot="0" spcFirstLastPara="1" vertOverflow="clip" horzOverflow="clip" vert="horz" wrap="square" lIns="36576" tIns="18288" rIns="36576" bIns="18288" anchor="ctr" anchorCtr="1">
@@ -931,32 +2643,9 @@
       <a:schemeClr val="dk1"/>
     </cs:fontRef>
     <cs:spPr>
-      <a:gradFill flip="none" rotWithShape="1">
-        <a:gsLst>
-          <a:gs pos="0">
-            <a:schemeClr val="phClr"/>
-          </a:gs>
-          <a:gs pos="75000">
-            <a:schemeClr val="phClr">
-              <a:lumMod val="60000"/>
-              <a:lumOff val="40000"/>
-            </a:schemeClr>
-          </a:gs>
-          <a:gs pos="51000">
-            <a:schemeClr val="phClr">
-              <a:alpha val="75000"/>
-            </a:schemeClr>
-          </a:gs>
-          <a:gs pos="100000">
-            <a:schemeClr val="phClr">
-              <a:lumMod val="20000"/>
-              <a:lumOff val="80000"/>
-              <a:alpha val="15000"/>
-            </a:schemeClr>
-          </a:gs>
-        </a:gsLst>
-        <a:lin ang="5400000" scaled="0"/>
-      </a:gradFill>
+      <a:solidFill>
+        <a:schemeClr val="phClr"/>
+      </a:solidFill>
     </cs:spPr>
   </cs:dataPoint>
   <cs:dataPoint3D>
@@ -969,32 +2658,9 @@
       <a:schemeClr val="dk1"/>
     </cs:fontRef>
     <cs:spPr>
-      <a:gradFill flip="none" rotWithShape="1">
-        <a:gsLst>
-          <a:gs pos="0">
-            <a:schemeClr val="phClr"/>
-          </a:gs>
-          <a:gs pos="75000">
-            <a:schemeClr val="phClr">
-              <a:lumMod val="60000"/>
-              <a:lumOff val="40000"/>
-            </a:schemeClr>
-          </a:gs>
-          <a:gs pos="51000">
-            <a:schemeClr val="phClr">
-              <a:alpha val="75000"/>
-            </a:schemeClr>
-          </a:gs>
-          <a:gs pos="100000">
-            <a:schemeClr val="phClr">
-              <a:lumMod val="20000"/>
-              <a:lumOff val="80000"/>
-              <a:alpha val="15000"/>
-            </a:schemeClr>
-          </a:gs>
-        </a:gsLst>
-        <a:lin ang="5400000" scaled="0"/>
-      </a:gradFill>
+      <a:solidFill>
+        <a:schemeClr val="phClr"/>
+      </a:solidFill>
     </cs:spPr>
   </cs:dataPoint3D>
   <cs:dataPointLine>
@@ -1007,7 +2673,7 @@
       <a:schemeClr val="dk1"/>
     </cs:fontRef>
     <cs:spPr>
-      <a:ln w="28575" cap="rnd">
+      <a:ln w="22225" cap="rnd">
         <a:solidFill>
           <a:schemeClr val="phClr"/>
         </a:solidFill>
@@ -1027,37 +2693,12 @@
       <a:schemeClr val="dk1"/>
     </cs:fontRef>
     <cs:spPr>
-      <a:gradFill flip="none" rotWithShape="1">
-        <a:gsLst>
-          <a:gs pos="0">
-            <a:schemeClr val="phClr"/>
-          </a:gs>
-          <a:gs pos="75000">
-            <a:schemeClr val="phClr">
-              <a:lumMod val="60000"/>
-              <a:lumOff val="40000"/>
-            </a:schemeClr>
-          </a:gs>
-          <a:gs pos="51000">
-            <a:schemeClr val="phClr">
-              <a:alpha val="75000"/>
-            </a:schemeClr>
-          </a:gs>
-          <a:gs pos="100000">
-            <a:schemeClr val="phClr">
-              <a:lumMod val="20000"/>
-              <a:lumOff val="80000"/>
-              <a:alpha val="15000"/>
-            </a:schemeClr>
-          </a:gs>
-        </a:gsLst>
-        <a:lin ang="5400000" scaled="0"/>
-      </a:gradFill>
-      <a:ln w="9525" cap="flat" cmpd="sng" algn="ctr">
-        <a:solidFill>
-          <a:schemeClr val="phClr">
-            <a:shade val="95000"/>
-          </a:schemeClr>
+      <a:solidFill>
+        <a:schemeClr val="lt1"/>
+      </a:solidFill>
+      <a:ln w="15875">
+        <a:solidFill>
+          <a:schemeClr val="phClr"/>
         </a:solidFill>
         <a:round/>
       </a:ln>
@@ -1087,9 +2728,1122 @@
     <cs:fillRef idx="0"/>
     <cs:effectRef idx="0"/>
     <cs:fontRef idx="minor">
-      <a:schemeClr val="tx1">
+      <a:schemeClr val="dk1">
         <a:lumMod val="65000"/>
         <a:lumOff val="35000"/>
+      </a:schemeClr>
+    </cs:fontRef>
+    <cs:spPr>
+      <a:ln w="9525" cap="flat" cmpd="sng" algn="ctr">
+        <a:solidFill>
+          <a:schemeClr val="dk1">
+            <a:lumMod val="15000"/>
+            <a:lumOff val="85000"/>
+          </a:schemeClr>
+        </a:solidFill>
+        <a:round/>
+      </a:ln>
+    </cs:spPr>
+    <cs:defRPr sz="1064" kern="1200"/>
+  </cs:dataTable>
+  <cs:downBar>
+    <cs:lnRef idx="0"/>
+    <cs:fillRef idx="0"/>
+    <cs:effectRef idx="0"/>
+    <cs:fontRef idx="minor">
+      <a:schemeClr val="dk1"/>
+    </cs:fontRef>
+    <cs:spPr>
+      <a:solidFill>
+        <a:schemeClr val="dk1">
+          <a:lumMod val="75000"/>
+          <a:lumOff val="25000"/>
+        </a:schemeClr>
+      </a:solidFill>
+      <a:ln w="9525" cap="flat" cmpd="sng" algn="ctr">
+        <a:solidFill>
+          <a:schemeClr val="dk1">
+            <a:lumMod val="50000"/>
+            <a:lumOff val="50000"/>
+          </a:schemeClr>
+        </a:solidFill>
+        <a:round/>
+      </a:ln>
+    </cs:spPr>
+  </cs:downBar>
+  <cs:dropLine>
+    <cs:lnRef idx="0"/>
+    <cs:fillRef idx="0"/>
+    <cs:effectRef idx="0"/>
+    <cs:fontRef idx="minor">
+      <a:schemeClr val="dk1"/>
+    </cs:fontRef>
+    <cs:spPr>
+      <a:ln w="9525" cap="flat" cmpd="sng" algn="ctr">
+        <a:solidFill>
+          <a:schemeClr val="dk1">
+            <a:lumMod val="35000"/>
+            <a:lumOff val="65000"/>
+          </a:schemeClr>
+        </a:solidFill>
+        <a:round/>
+      </a:ln>
+    </cs:spPr>
+  </cs:dropLine>
+  <cs:errorBar>
+    <cs:lnRef idx="0"/>
+    <cs:fillRef idx="0"/>
+    <cs:effectRef idx="0"/>
+    <cs:fontRef idx="minor">
+      <a:schemeClr val="dk1"/>
+    </cs:fontRef>
+    <cs:spPr>
+      <a:ln w="9525" cap="flat" cmpd="sng" algn="ctr">
+        <a:solidFill>
+          <a:schemeClr val="dk1">
+            <a:lumMod val="50000"/>
+            <a:lumOff val="50000"/>
+          </a:schemeClr>
+        </a:solidFill>
+        <a:round/>
+      </a:ln>
+    </cs:spPr>
+  </cs:errorBar>
+  <cs:floor>
+    <cs:lnRef idx="0"/>
+    <cs:fillRef idx="0"/>
+    <cs:effectRef idx="0"/>
+    <cs:fontRef idx="minor">
+      <a:schemeClr val="dk1"/>
+    </cs:fontRef>
+    <cs:spPr>
+      <a:pattFill prst="ltDnDiag">
+        <a:fgClr>
+          <a:schemeClr val="dk1">
+            <a:lumMod val="15000"/>
+            <a:lumOff val="85000"/>
+          </a:schemeClr>
+        </a:fgClr>
+        <a:bgClr>
+          <a:schemeClr val="lt1"/>
+        </a:bgClr>
+      </a:pattFill>
+    </cs:spPr>
+  </cs:floor>
+  <cs:gridlineMajor>
+    <cs:lnRef idx="0"/>
+    <cs:fillRef idx="0"/>
+    <cs:effectRef idx="0"/>
+    <cs:fontRef idx="minor">
+      <a:schemeClr val="dk1"/>
+    </cs:fontRef>
+    <cs:spPr>
+      <a:ln w="9525" cap="flat" cmpd="sng" algn="ctr">
+        <a:solidFill>
+          <a:schemeClr val="dk1">
+            <a:lumMod val="15000"/>
+            <a:lumOff val="85000"/>
+          </a:schemeClr>
+        </a:solidFill>
+        <a:round/>
+      </a:ln>
+    </cs:spPr>
+  </cs:gridlineMajor>
+  <cs:gridlineMinor>
+    <cs:lnRef idx="0"/>
+    <cs:fillRef idx="0"/>
+    <cs:effectRef idx="0"/>
+    <cs:fontRef idx="minor">
+      <a:schemeClr val="dk1"/>
+    </cs:fontRef>
+    <cs:spPr>
+      <a:ln w="9525" cap="flat" cmpd="sng" algn="ctr">
+        <a:solidFill>
+          <a:schemeClr val="dk1">
+            <a:lumMod val="5000"/>
+            <a:lumOff val="95000"/>
+          </a:schemeClr>
+        </a:solidFill>
+        <a:round/>
+      </a:ln>
+    </cs:spPr>
+  </cs:gridlineMinor>
+  <cs:hiLoLine>
+    <cs:lnRef idx="0"/>
+    <cs:fillRef idx="0"/>
+    <cs:effectRef idx="0"/>
+    <cs:fontRef idx="minor">
+      <a:schemeClr val="dk1"/>
+    </cs:fontRef>
+    <cs:spPr>
+      <a:ln w="9525" cap="flat" cmpd="sng" algn="ctr">
+        <a:solidFill>
+          <a:schemeClr val="dk1">
+            <a:lumMod val="35000"/>
+            <a:lumOff val="65000"/>
+          </a:schemeClr>
+        </a:solidFill>
+        <a:round/>
+      </a:ln>
+    </cs:spPr>
+  </cs:hiLoLine>
+  <cs:leaderLine>
+    <cs:lnRef idx="0"/>
+    <cs:fillRef idx="0"/>
+    <cs:effectRef idx="0"/>
+    <cs:fontRef idx="minor">
+      <a:schemeClr val="dk1"/>
+    </cs:fontRef>
+    <cs:spPr>
+      <a:ln w="9525" cap="flat" cmpd="sng" algn="ctr">
+        <a:solidFill>
+          <a:schemeClr val="dk1">
+            <a:lumMod val="35000"/>
+            <a:lumOff val="65000"/>
+          </a:schemeClr>
+        </a:solidFill>
+        <a:round/>
+      </a:ln>
+    </cs:spPr>
+  </cs:leaderLine>
+  <cs:legend>
+    <cs:lnRef idx="0"/>
+    <cs:fillRef idx="0"/>
+    <cs:effectRef idx="0"/>
+    <cs:fontRef idx="minor">
+      <a:schemeClr val="dk1">
+        <a:lumMod val="65000"/>
+        <a:lumOff val="35000"/>
+      </a:schemeClr>
+    </cs:fontRef>
+    <cs:defRPr sz="1197" kern="1200"/>
+  </cs:legend>
+  <cs:plotArea>
+    <cs:lnRef idx="0"/>
+    <cs:fillRef idx="0"/>
+    <cs:effectRef idx="0"/>
+    <cs:fontRef idx="minor">
+      <a:schemeClr val="dk1"/>
+    </cs:fontRef>
+    <cs:spPr>
+      <a:pattFill prst="ltDnDiag">
+        <a:fgClr>
+          <a:schemeClr val="dk1">
+            <a:lumMod val="15000"/>
+            <a:lumOff val="85000"/>
+          </a:schemeClr>
+        </a:fgClr>
+        <a:bgClr>
+          <a:schemeClr val="lt1"/>
+        </a:bgClr>
+      </a:pattFill>
+    </cs:spPr>
+  </cs:plotArea>
+  <cs:plotArea3D>
+    <cs:lnRef idx="0"/>
+    <cs:fillRef idx="0"/>
+    <cs:effectRef idx="0"/>
+    <cs:fontRef idx="minor">
+      <a:schemeClr val="dk1"/>
+    </cs:fontRef>
+    <cs:spPr>
+      <a:solidFill>
+        <a:schemeClr val="lt1"/>
+      </a:solidFill>
+    </cs:spPr>
+  </cs:plotArea3D>
+  <cs:seriesAxis>
+    <cs:lnRef idx="0"/>
+    <cs:fillRef idx="0"/>
+    <cs:effectRef idx="0"/>
+    <cs:fontRef idx="minor">
+      <a:schemeClr val="dk1">
+        <a:lumMod val="65000"/>
+        <a:lumOff val="35000"/>
+      </a:schemeClr>
+    </cs:fontRef>
+    <cs:defRPr sz="1197" kern="1200"/>
+  </cs:seriesAxis>
+  <cs:seriesLine>
+    <cs:lnRef idx="0"/>
+    <cs:fillRef idx="0"/>
+    <cs:effectRef idx="0"/>
+    <cs:fontRef idx="minor">
+      <a:schemeClr val="dk1"/>
+    </cs:fontRef>
+    <cs:spPr>
+      <a:ln w="9525" cap="flat" cmpd="sng" algn="ctr">
+        <a:solidFill>
+          <a:schemeClr val="dk1">
+            <a:lumMod val="35000"/>
+            <a:lumOff val="65000"/>
+          </a:schemeClr>
+        </a:solidFill>
+        <a:round/>
+      </a:ln>
+    </cs:spPr>
+  </cs:seriesLine>
+  <cs:title>
+    <cs:lnRef idx="0"/>
+    <cs:fillRef idx="0"/>
+    <cs:effectRef idx="0"/>
+    <cs:fontRef idx="major">
+      <a:schemeClr val="dk1">
+        <a:lumMod val="50000"/>
+        <a:lumOff val="50000"/>
+      </a:schemeClr>
+    </cs:fontRef>
+    <cs:defRPr sz="2128" b="1" kern="1200" cap="none" spc="0" normalizeH="0" baseline="0"/>
+  </cs:title>
+  <cs:trendline>
+    <cs:lnRef idx="0">
+      <cs:styleClr val="auto"/>
+    </cs:lnRef>
+    <cs:fillRef idx="0"/>
+    <cs:effectRef idx="0"/>
+    <cs:fontRef idx="minor">
+      <a:schemeClr val="dk1"/>
+    </cs:fontRef>
+    <cs:spPr>
+      <a:ln w="19050" cap="rnd">
+        <a:solidFill>
+          <a:schemeClr val="phClr"/>
+        </a:solidFill>
+      </a:ln>
+    </cs:spPr>
+  </cs:trendline>
+  <cs:trendlineLabel>
+    <cs:lnRef idx="0"/>
+    <cs:fillRef idx="0"/>
+    <cs:effectRef idx="0"/>
+    <cs:fontRef idx="minor">
+      <a:schemeClr val="dk1">
+        <a:lumMod val="65000"/>
+        <a:lumOff val="35000"/>
+      </a:schemeClr>
+    </cs:fontRef>
+    <cs:defRPr sz="1197" kern="1200"/>
+  </cs:trendlineLabel>
+  <cs:upBar>
+    <cs:lnRef idx="0"/>
+    <cs:fillRef idx="0"/>
+    <cs:effectRef idx="0"/>
+    <cs:fontRef idx="minor">
+      <a:schemeClr val="dk1"/>
+    </cs:fontRef>
+    <cs:spPr>
+      <a:solidFill>
+        <a:schemeClr val="lt1"/>
+      </a:solidFill>
+      <a:ln w="9525" cap="flat" cmpd="sng" algn="ctr">
+        <a:solidFill>
+          <a:schemeClr val="dk1">
+            <a:lumMod val="50000"/>
+            <a:lumOff val="50000"/>
+          </a:schemeClr>
+        </a:solidFill>
+        <a:round/>
+      </a:ln>
+    </cs:spPr>
+  </cs:upBar>
+  <cs:valueAxis>
+    <cs:lnRef idx="0"/>
+    <cs:fillRef idx="0"/>
+    <cs:effectRef idx="0"/>
+    <cs:fontRef idx="minor">
+      <a:schemeClr val="dk1">
+        <a:lumMod val="65000"/>
+        <a:lumOff val="35000"/>
+      </a:schemeClr>
+    </cs:fontRef>
+    <cs:defRPr sz="1197" kern="1200"/>
+  </cs:valueAxis>
+  <cs:wall>
+    <cs:lnRef idx="0"/>
+    <cs:fillRef idx="0"/>
+    <cs:effectRef idx="0"/>
+    <cs:fontRef idx="minor">
+      <a:schemeClr val="dk1"/>
+    </cs:fontRef>
+    <cs:spPr>
+      <a:pattFill prst="ltDnDiag">
+        <a:fgClr>
+          <a:schemeClr val="dk1">
+            <a:lumMod val="15000"/>
+            <a:lumOff val="85000"/>
+          </a:schemeClr>
+        </a:fgClr>
+        <a:bgClr>
+          <a:schemeClr val="lt1"/>
+        </a:bgClr>
+      </a:pattFill>
+    </cs:spPr>
+  </cs:wall>
+</cs:chartStyle>
+</file>
+
+<file path=ppt/charts/style2.xml><?xml version="1.0" encoding="utf-8"?>
+<cs:chartStyle xmlns:cs="http://schemas.microsoft.com/office/drawing/2012/chartStyle" xmlns:a="http://schemas.openxmlformats.org/drawingml/2006/main" id="208">
+  <cs:axisTitle>
+    <cs:lnRef idx="0"/>
+    <cs:fillRef idx="0"/>
+    <cs:effectRef idx="0"/>
+    <cs:fontRef idx="minor">
+      <a:schemeClr val="dk1">
+        <a:lumMod val="65000"/>
+        <a:lumOff val="35000"/>
+      </a:schemeClr>
+    </cs:fontRef>
+    <cs:defRPr sz="1197" b="1" kern="1200"/>
+  </cs:axisTitle>
+  <cs:categoryAxis>
+    <cs:lnRef idx="0"/>
+    <cs:fillRef idx="0"/>
+    <cs:effectRef idx="0"/>
+    <cs:fontRef idx="minor">
+      <a:schemeClr val="dk1">
+        <a:lumMod val="65000"/>
+        <a:lumOff val="35000"/>
+      </a:schemeClr>
+    </cs:fontRef>
+    <cs:spPr>
+      <a:ln w="9525" cap="flat" cmpd="sng" algn="ctr">
+        <a:solidFill>
+          <a:schemeClr val="dk1">
+            <a:lumMod val="15000"/>
+            <a:lumOff val="85000"/>
+          </a:schemeClr>
+        </a:solidFill>
+        <a:round/>
+      </a:ln>
+    </cs:spPr>
+    <cs:defRPr sz="1197" kern="1200" cap="none" spc="0" normalizeH="0" baseline="0"/>
+  </cs:categoryAxis>
+  <cs:chartArea>
+    <cs:lnRef idx="0"/>
+    <cs:fillRef idx="0"/>
+    <cs:effectRef idx="0"/>
+    <cs:fontRef idx="minor">
+      <a:schemeClr val="dk1"/>
+    </cs:fontRef>
+    <cs:spPr>
+      <a:solidFill>
+        <a:schemeClr val="lt1"/>
+      </a:solidFill>
+      <a:ln w="9525" cap="flat" cmpd="sng" algn="ctr">
+        <a:solidFill>
+          <a:schemeClr val="dk1">
+            <a:lumMod val="15000"/>
+            <a:lumOff val="85000"/>
+          </a:schemeClr>
+        </a:solidFill>
+        <a:round/>
+      </a:ln>
+    </cs:spPr>
+    <cs:defRPr sz="1197" kern="1200"/>
+  </cs:chartArea>
+  <cs:dataLabel>
+    <cs:lnRef idx="0"/>
+    <cs:fillRef idx="0"/>
+    <cs:effectRef idx="0"/>
+    <cs:fontRef idx="minor">
+      <a:schemeClr val="dk1">
+        <a:lumMod val="75000"/>
+        <a:lumOff val="25000"/>
+      </a:schemeClr>
+    </cs:fontRef>
+    <cs:defRPr sz="1197" kern="1200"/>
+  </cs:dataLabel>
+  <cs:dataLabelCallout>
+    <cs:lnRef idx="0"/>
+    <cs:fillRef idx="0"/>
+    <cs:effectRef idx="0"/>
+    <cs:fontRef idx="minor">
+      <a:schemeClr val="dk1">
+        <a:lumMod val="65000"/>
+        <a:lumOff val="35000"/>
+      </a:schemeClr>
+    </cs:fontRef>
+    <cs:spPr>
+      <a:solidFill>
+        <a:schemeClr val="lt1"/>
+      </a:solidFill>
+      <a:ln>
+        <a:solidFill>
+          <a:schemeClr val="dk1">
+            <a:lumMod val="25000"/>
+            <a:lumOff val="75000"/>
+          </a:schemeClr>
+        </a:solidFill>
+      </a:ln>
+    </cs:spPr>
+    <cs:defRPr sz="1197" kern="1200"/>
+    <cs:bodyPr rot="0" spcFirstLastPara="1" vertOverflow="clip" horzOverflow="clip" vert="horz" wrap="square" lIns="36576" tIns="18288" rIns="36576" bIns="18288" anchor="ctr" anchorCtr="1">
+      <a:spAutoFit/>
+    </cs:bodyPr>
+  </cs:dataLabelCallout>
+  <cs:dataPoint>
+    <cs:lnRef idx="0"/>
+    <cs:fillRef idx="0">
+      <cs:styleClr val="auto"/>
+    </cs:fillRef>
+    <cs:effectRef idx="0"/>
+    <cs:fontRef idx="minor">
+      <a:schemeClr val="dk1"/>
+    </cs:fontRef>
+    <cs:spPr>
+      <a:solidFill>
+        <a:schemeClr val="phClr"/>
+      </a:solidFill>
+    </cs:spPr>
+  </cs:dataPoint>
+  <cs:dataPoint3D>
+    <cs:lnRef idx="0"/>
+    <cs:fillRef idx="0">
+      <cs:styleClr val="auto"/>
+    </cs:fillRef>
+    <cs:effectRef idx="0"/>
+    <cs:fontRef idx="minor">
+      <a:schemeClr val="dk1"/>
+    </cs:fontRef>
+    <cs:spPr>
+      <a:solidFill>
+        <a:schemeClr val="phClr"/>
+      </a:solidFill>
+    </cs:spPr>
+  </cs:dataPoint3D>
+  <cs:dataPointLine>
+    <cs:lnRef idx="0">
+      <cs:styleClr val="auto"/>
+    </cs:lnRef>
+    <cs:fillRef idx="0"/>
+    <cs:effectRef idx="0"/>
+    <cs:fontRef idx="minor">
+      <a:schemeClr val="dk1"/>
+    </cs:fontRef>
+    <cs:spPr>
+      <a:ln w="22225" cap="rnd">
+        <a:solidFill>
+          <a:schemeClr val="phClr"/>
+        </a:solidFill>
+        <a:round/>
+      </a:ln>
+    </cs:spPr>
+  </cs:dataPointLine>
+  <cs:dataPointMarker>
+    <cs:lnRef idx="0">
+      <cs:styleClr val="auto"/>
+    </cs:lnRef>
+    <cs:fillRef idx="0">
+      <cs:styleClr val="auto"/>
+    </cs:fillRef>
+    <cs:effectRef idx="0"/>
+    <cs:fontRef idx="minor">
+      <a:schemeClr val="dk1"/>
+    </cs:fontRef>
+    <cs:spPr>
+      <a:solidFill>
+        <a:schemeClr val="lt1"/>
+      </a:solidFill>
+      <a:ln w="15875">
+        <a:solidFill>
+          <a:schemeClr val="phClr"/>
+        </a:solidFill>
+        <a:round/>
+      </a:ln>
+    </cs:spPr>
+  </cs:dataPointMarker>
+  <cs:dataPointMarkerLayout symbol="circle" size="6"/>
+  <cs:dataPointWireframe>
+    <cs:lnRef idx="0">
+      <cs:styleClr val="auto"/>
+    </cs:lnRef>
+    <cs:fillRef idx="0"/>
+    <cs:effectRef idx="0"/>
+    <cs:fontRef idx="minor">
+      <a:schemeClr val="dk1"/>
+    </cs:fontRef>
+    <cs:spPr>
+      <a:ln w="9525" cap="rnd">
+        <a:solidFill>
+          <a:schemeClr val="phClr"/>
+        </a:solidFill>
+        <a:round/>
+      </a:ln>
+    </cs:spPr>
+  </cs:dataPointWireframe>
+  <cs:dataTable>
+    <cs:lnRef idx="0"/>
+    <cs:fillRef idx="0"/>
+    <cs:effectRef idx="0"/>
+    <cs:fontRef idx="minor">
+      <a:schemeClr val="dk1">
+        <a:lumMod val="65000"/>
+        <a:lumOff val="35000"/>
+      </a:schemeClr>
+    </cs:fontRef>
+    <cs:spPr>
+      <a:ln w="9525" cap="flat" cmpd="sng" algn="ctr">
+        <a:solidFill>
+          <a:schemeClr val="dk1">
+            <a:lumMod val="15000"/>
+            <a:lumOff val="85000"/>
+          </a:schemeClr>
+        </a:solidFill>
+        <a:round/>
+      </a:ln>
+    </cs:spPr>
+    <cs:defRPr sz="1064" kern="1200"/>
+  </cs:dataTable>
+  <cs:downBar>
+    <cs:lnRef idx="0"/>
+    <cs:fillRef idx="0"/>
+    <cs:effectRef idx="0"/>
+    <cs:fontRef idx="minor">
+      <a:schemeClr val="dk1"/>
+    </cs:fontRef>
+    <cs:spPr>
+      <a:solidFill>
+        <a:schemeClr val="dk1">
+          <a:lumMod val="75000"/>
+          <a:lumOff val="25000"/>
+        </a:schemeClr>
+      </a:solidFill>
+      <a:ln w="9525" cap="flat" cmpd="sng" algn="ctr">
+        <a:solidFill>
+          <a:schemeClr val="dk1">
+            <a:lumMod val="50000"/>
+            <a:lumOff val="50000"/>
+          </a:schemeClr>
+        </a:solidFill>
+        <a:round/>
+      </a:ln>
+    </cs:spPr>
+  </cs:downBar>
+  <cs:dropLine>
+    <cs:lnRef idx="0"/>
+    <cs:fillRef idx="0"/>
+    <cs:effectRef idx="0"/>
+    <cs:fontRef idx="minor">
+      <a:schemeClr val="dk1"/>
+    </cs:fontRef>
+    <cs:spPr>
+      <a:ln w="9525" cap="flat" cmpd="sng" algn="ctr">
+        <a:solidFill>
+          <a:schemeClr val="dk1">
+            <a:lumMod val="35000"/>
+            <a:lumOff val="65000"/>
+          </a:schemeClr>
+        </a:solidFill>
+        <a:round/>
+      </a:ln>
+    </cs:spPr>
+  </cs:dropLine>
+  <cs:errorBar>
+    <cs:lnRef idx="0"/>
+    <cs:fillRef idx="0"/>
+    <cs:effectRef idx="0"/>
+    <cs:fontRef idx="minor">
+      <a:schemeClr val="dk1"/>
+    </cs:fontRef>
+    <cs:spPr>
+      <a:ln w="9525" cap="flat" cmpd="sng" algn="ctr">
+        <a:solidFill>
+          <a:schemeClr val="dk1">
+            <a:lumMod val="50000"/>
+            <a:lumOff val="50000"/>
+          </a:schemeClr>
+        </a:solidFill>
+        <a:round/>
+      </a:ln>
+    </cs:spPr>
+  </cs:errorBar>
+  <cs:floor>
+    <cs:lnRef idx="0"/>
+    <cs:fillRef idx="0"/>
+    <cs:effectRef idx="0"/>
+    <cs:fontRef idx="minor">
+      <a:schemeClr val="dk1"/>
+    </cs:fontRef>
+    <cs:spPr>
+      <a:pattFill prst="ltDnDiag">
+        <a:fgClr>
+          <a:schemeClr val="dk1">
+            <a:lumMod val="15000"/>
+            <a:lumOff val="85000"/>
+          </a:schemeClr>
+        </a:fgClr>
+        <a:bgClr>
+          <a:schemeClr val="lt1"/>
+        </a:bgClr>
+      </a:pattFill>
+    </cs:spPr>
+  </cs:floor>
+  <cs:gridlineMajor>
+    <cs:lnRef idx="0"/>
+    <cs:fillRef idx="0"/>
+    <cs:effectRef idx="0"/>
+    <cs:fontRef idx="minor">
+      <a:schemeClr val="dk1"/>
+    </cs:fontRef>
+    <cs:spPr>
+      <a:ln w="9525" cap="flat" cmpd="sng" algn="ctr">
+        <a:solidFill>
+          <a:schemeClr val="dk1">
+            <a:lumMod val="15000"/>
+            <a:lumOff val="85000"/>
+          </a:schemeClr>
+        </a:solidFill>
+        <a:round/>
+      </a:ln>
+    </cs:spPr>
+  </cs:gridlineMajor>
+  <cs:gridlineMinor>
+    <cs:lnRef idx="0"/>
+    <cs:fillRef idx="0"/>
+    <cs:effectRef idx="0"/>
+    <cs:fontRef idx="minor">
+      <a:schemeClr val="dk1"/>
+    </cs:fontRef>
+    <cs:spPr>
+      <a:ln w="9525" cap="flat" cmpd="sng" algn="ctr">
+        <a:solidFill>
+          <a:schemeClr val="dk1">
+            <a:lumMod val="5000"/>
+            <a:lumOff val="95000"/>
+          </a:schemeClr>
+        </a:solidFill>
+        <a:round/>
+      </a:ln>
+    </cs:spPr>
+  </cs:gridlineMinor>
+  <cs:hiLoLine>
+    <cs:lnRef idx="0"/>
+    <cs:fillRef idx="0"/>
+    <cs:effectRef idx="0"/>
+    <cs:fontRef idx="minor">
+      <a:schemeClr val="dk1"/>
+    </cs:fontRef>
+    <cs:spPr>
+      <a:ln w="9525" cap="flat" cmpd="sng" algn="ctr">
+        <a:solidFill>
+          <a:schemeClr val="dk1">
+            <a:lumMod val="35000"/>
+            <a:lumOff val="65000"/>
+          </a:schemeClr>
+        </a:solidFill>
+        <a:round/>
+      </a:ln>
+    </cs:spPr>
+  </cs:hiLoLine>
+  <cs:leaderLine>
+    <cs:lnRef idx="0"/>
+    <cs:fillRef idx="0"/>
+    <cs:effectRef idx="0"/>
+    <cs:fontRef idx="minor">
+      <a:schemeClr val="dk1"/>
+    </cs:fontRef>
+    <cs:spPr>
+      <a:ln w="9525" cap="flat" cmpd="sng" algn="ctr">
+        <a:solidFill>
+          <a:schemeClr val="dk1">
+            <a:lumMod val="35000"/>
+            <a:lumOff val="65000"/>
+          </a:schemeClr>
+        </a:solidFill>
+        <a:round/>
+      </a:ln>
+    </cs:spPr>
+  </cs:leaderLine>
+  <cs:legend>
+    <cs:lnRef idx="0"/>
+    <cs:fillRef idx="0"/>
+    <cs:effectRef idx="0"/>
+    <cs:fontRef idx="minor">
+      <a:schemeClr val="dk1">
+        <a:lumMod val="65000"/>
+        <a:lumOff val="35000"/>
+      </a:schemeClr>
+    </cs:fontRef>
+    <cs:defRPr sz="1197" kern="1200"/>
+  </cs:legend>
+  <cs:plotArea>
+    <cs:lnRef idx="0"/>
+    <cs:fillRef idx="0"/>
+    <cs:effectRef idx="0"/>
+    <cs:fontRef idx="minor">
+      <a:schemeClr val="dk1"/>
+    </cs:fontRef>
+    <cs:spPr>
+      <a:pattFill prst="ltDnDiag">
+        <a:fgClr>
+          <a:schemeClr val="dk1">
+            <a:lumMod val="15000"/>
+            <a:lumOff val="85000"/>
+          </a:schemeClr>
+        </a:fgClr>
+        <a:bgClr>
+          <a:schemeClr val="lt1"/>
+        </a:bgClr>
+      </a:pattFill>
+    </cs:spPr>
+  </cs:plotArea>
+  <cs:plotArea3D>
+    <cs:lnRef idx="0"/>
+    <cs:fillRef idx="0"/>
+    <cs:effectRef idx="0"/>
+    <cs:fontRef idx="minor">
+      <a:schemeClr val="dk1"/>
+    </cs:fontRef>
+    <cs:spPr>
+      <a:solidFill>
+        <a:schemeClr val="lt1"/>
+      </a:solidFill>
+    </cs:spPr>
+  </cs:plotArea3D>
+  <cs:seriesAxis>
+    <cs:lnRef idx="0"/>
+    <cs:fillRef idx="0"/>
+    <cs:effectRef idx="0"/>
+    <cs:fontRef idx="minor">
+      <a:schemeClr val="dk1">
+        <a:lumMod val="65000"/>
+        <a:lumOff val="35000"/>
+      </a:schemeClr>
+    </cs:fontRef>
+    <cs:defRPr sz="1197" kern="1200"/>
+  </cs:seriesAxis>
+  <cs:seriesLine>
+    <cs:lnRef idx="0"/>
+    <cs:fillRef idx="0"/>
+    <cs:effectRef idx="0"/>
+    <cs:fontRef idx="minor">
+      <a:schemeClr val="dk1"/>
+    </cs:fontRef>
+    <cs:spPr>
+      <a:ln w="9525" cap="flat" cmpd="sng" algn="ctr">
+        <a:solidFill>
+          <a:schemeClr val="dk1">
+            <a:lumMod val="35000"/>
+            <a:lumOff val="65000"/>
+          </a:schemeClr>
+        </a:solidFill>
+        <a:round/>
+      </a:ln>
+    </cs:spPr>
+  </cs:seriesLine>
+  <cs:title>
+    <cs:lnRef idx="0"/>
+    <cs:fillRef idx="0"/>
+    <cs:effectRef idx="0"/>
+    <cs:fontRef idx="major">
+      <a:schemeClr val="dk1">
+        <a:lumMod val="50000"/>
+        <a:lumOff val="50000"/>
+      </a:schemeClr>
+    </cs:fontRef>
+    <cs:defRPr sz="2128" b="1" kern="1200" cap="none" spc="0" normalizeH="0" baseline="0"/>
+  </cs:title>
+  <cs:trendline>
+    <cs:lnRef idx="0">
+      <cs:styleClr val="auto"/>
+    </cs:lnRef>
+    <cs:fillRef idx="0"/>
+    <cs:effectRef idx="0"/>
+    <cs:fontRef idx="minor">
+      <a:schemeClr val="dk1"/>
+    </cs:fontRef>
+    <cs:spPr>
+      <a:ln w="19050" cap="rnd">
+        <a:solidFill>
+          <a:schemeClr val="phClr"/>
+        </a:solidFill>
+      </a:ln>
+    </cs:spPr>
+  </cs:trendline>
+  <cs:trendlineLabel>
+    <cs:lnRef idx="0"/>
+    <cs:fillRef idx="0"/>
+    <cs:effectRef idx="0"/>
+    <cs:fontRef idx="minor">
+      <a:schemeClr val="dk1">
+        <a:lumMod val="65000"/>
+        <a:lumOff val="35000"/>
+      </a:schemeClr>
+    </cs:fontRef>
+    <cs:defRPr sz="1197" kern="1200"/>
+  </cs:trendlineLabel>
+  <cs:upBar>
+    <cs:lnRef idx="0"/>
+    <cs:fillRef idx="0"/>
+    <cs:effectRef idx="0"/>
+    <cs:fontRef idx="minor">
+      <a:schemeClr val="dk1"/>
+    </cs:fontRef>
+    <cs:spPr>
+      <a:solidFill>
+        <a:schemeClr val="lt1"/>
+      </a:solidFill>
+      <a:ln w="9525" cap="flat" cmpd="sng" algn="ctr">
+        <a:solidFill>
+          <a:schemeClr val="dk1">
+            <a:lumMod val="50000"/>
+            <a:lumOff val="50000"/>
+          </a:schemeClr>
+        </a:solidFill>
+        <a:round/>
+      </a:ln>
+    </cs:spPr>
+  </cs:upBar>
+  <cs:valueAxis>
+    <cs:lnRef idx="0"/>
+    <cs:fillRef idx="0"/>
+    <cs:effectRef idx="0"/>
+    <cs:fontRef idx="minor">
+      <a:schemeClr val="dk1">
+        <a:lumMod val="65000"/>
+        <a:lumOff val="35000"/>
+      </a:schemeClr>
+    </cs:fontRef>
+    <cs:defRPr sz="1197" kern="1200"/>
+  </cs:valueAxis>
+  <cs:wall>
+    <cs:lnRef idx="0"/>
+    <cs:fillRef idx="0"/>
+    <cs:effectRef idx="0"/>
+    <cs:fontRef idx="minor">
+      <a:schemeClr val="dk1"/>
+    </cs:fontRef>
+    <cs:spPr>
+      <a:pattFill prst="ltDnDiag">
+        <a:fgClr>
+          <a:schemeClr val="dk1">
+            <a:lumMod val="15000"/>
+            <a:lumOff val="85000"/>
+          </a:schemeClr>
+        </a:fgClr>
+        <a:bgClr>
+          <a:schemeClr val="lt1"/>
+        </a:bgClr>
+      </a:pattFill>
+    </cs:spPr>
+  </cs:wall>
+</cs:chartStyle>
+</file>
+
+<file path=ppt/charts/style3.xml><?xml version="1.0" encoding="utf-8"?>
+<cs:chartStyle xmlns:cs="http://schemas.microsoft.com/office/drawing/2012/chartStyle" xmlns:a="http://schemas.openxmlformats.org/drawingml/2006/main" id="206">
+  <cs:axisTitle>
+    <cs:lnRef idx="0"/>
+    <cs:fillRef idx="0"/>
+    <cs:effectRef idx="0"/>
+    <cs:fontRef idx="minor">
+      <a:schemeClr val="tx1">
+        <a:lumMod val="50000"/>
+        <a:lumOff val="50000"/>
+      </a:schemeClr>
+    </cs:fontRef>
+    <cs:defRPr sz="1197" kern="1200" cap="all"/>
+  </cs:axisTitle>
+  <cs:categoryAxis>
+    <cs:lnRef idx="0"/>
+    <cs:fillRef idx="0"/>
+    <cs:effectRef idx="0"/>
+    <cs:fontRef idx="minor">
+      <a:schemeClr val="tx1">
+        <a:lumMod val="50000"/>
+        <a:lumOff val="50000"/>
+      </a:schemeClr>
+    </cs:fontRef>
+    <cs:spPr>
+      <a:ln w="9525" cap="flat" cmpd="sng" algn="ctr">
+        <a:solidFill>
+          <a:schemeClr val="tx1">
+            <a:lumMod val="15000"/>
+            <a:lumOff val="85000"/>
+          </a:schemeClr>
+        </a:solidFill>
+        <a:round/>
+      </a:ln>
+    </cs:spPr>
+    <cs:defRPr sz="1197" kern="1200"/>
+  </cs:categoryAxis>
+  <cs:chartArea mods="allowNoFillOverride allowNoLineOverride">
+    <cs:lnRef idx="0"/>
+    <cs:fillRef idx="0"/>
+    <cs:effectRef idx="0"/>
+    <cs:fontRef idx="minor">
+      <a:schemeClr val="dk1"/>
+    </cs:fontRef>
+    <cs:spPr>
+      <a:solidFill>
+        <a:schemeClr val="bg1"/>
+      </a:solidFill>
+      <a:ln w="9525" cap="flat" cmpd="sng" algn="ctr">
+        <a:solidFill>
+          <a:schemeClr val="tx1">
+            <a:lumMod val="15000"/>
+            <a:lumOff val="85000"/>
+          </a:schemeClr>
+        </a:solidFill>
+        <a:round/>
+      </a:ln>
+    </cs:spPr>
+    <cs:defRPr sz="1197" kern="1200"/>
+  </cs:chartArea>
+  <cs:dataLabel>
+    <cs:lnRef idx="0"/>
+    <cs:fillRef idx="0"/>
+    <cs:effectRef idx="0"/>
+    <cs:fontRef idx="minor">
+      <a:schemeClr val="tx1">
+        <a:lumMod val="50000"/>
+        <a:lumOff val="50000"/>
+      </a:schemeClr>
+    </cs:fontRef>
+    <cs:defRPr sz="1197" kern="1200"/>
+  </cs:dataLabel>
+  <cs:dataLabelCallout>
+    <cs:lnRef idx="0"/>
+    <cs:fillRef idx="0"/>
+    <cs:effectRef idx="0"/>
+    <cs:fontRef idx="minor">
+      <a:schemeClr val="dk1">
+        <a:lumMod val="65000"/>
+        <a:lumOff val="35000"/>
+      </a:schemeClr>
+    </cs:fontRef>
+    <cs:spPr>
+      <a:solidFill>
+        <a:schemeClr val="lt1"/>
+      </a:solidFill>
+      <a:ln>
+        <a:solidFill>
+          <a:schemeClr val="dk1">
+            <a:lumMod val="25000"/>
+            <a:lumOff val="75000"/>
+          </a:schemeClr>
+        </a:solidFill>
+      </a:ln>
+    </cs:spPr>
+    <cs:defRPr sz="1197" kern="1200"/>
+    <cs:bodyPr rot="0" spcFirstLastPara="1" vertOverflow="clip" horzOverflow="clip" vert="horz" wrap="square" lIns="36576" tIns="18288" rIns="36576" bIns="18288" anchor="ctr" anchorCtr="1">
+      <a:spAutoFit/>
+    </cs:bodyPr>
+  </cs:dataLabelCallout>
+  <cs:dataPoint>
+    <cs:lnRef idx="0">
+      <cs:styleClr val="auto"/>
+    </cs:lnRef>
+    <cs:fillRef idx="2">
+      <cs:styleClr val="auto"/>
+    </cs:fillRef>
+    <cs:effectRef idx="1"/>
+    <cs:fontRef idx="minor">
+      <a:schemeClr val="dk1"/>
+    </cs:fontRef>
+    <cs:spPr>
+      <a:ln w="9525" cap="flat" cmpd="sng" algn="ctr">
+        <a:solidFill>
+          <a:schemeClr val="phClr">
+            <a:shade val="95000"/>
+          </a:schemeClr>
+        </a:solidFill>
+        <a:round/>
+      </a:ln>
+    </cs:spPr>
+  </cs:dataPoint>
+  <cs:dataPoint3D>
+    <cs:lnRef idx="0">
+      <cs:styleClr val="auto"/>
+    </cs:lnRef>
+    <cs:fillRef idx="2">
+      <cs:styleClr val="auto"/>
+    </cs:fillRef>
+    <cs:effectRef idx="1"/>
+    <cs:fontRef idx="minor">
+      <a:schemeClr val="dk1"/>
+    </cs:fontRef>
+    <cs:spPr>
+      <a:ln w="9525" cap="flat" cmpd="sng" algn="ctr">
+        <a:solidFill>
+          <a:schemeClr val="phClr">
+            <a:shade val="95000"/>
+          </a:schemeClr>
+        </a:solidFill>
+        <a:round/>
+      </a:ln>
+    </cs:spPr>
+  </cs:dataPoint3D>
+  <cs:dataPointLine>
+    <cs:lnRef idx="0">
+      <cs:styleClr val="auto"/>
+    </cs:lnRef>
+    <cs:fillRef idx="2">
+      <cs:styleClr val="auto"/>
+    </cs:fillRef>
+    <cs:effectRef idx="1"/>
+    <cs:fontRef idx="minor">
+      <a:schemeClr val="dk1"/>
+    </cs:fontRef>
+    <cs:spPr>
+      <a:ln w="15875" cap="rnd">
+        <a:solidFill>
+          <a:schemeClr val="phClr"/>
+        </a:solidFill>
+        <a:round/>
+      </a:ln>
+    </cs:spPr>
+  </cs:dataPointLine>
+  <cs:dataPointMarker>
+    <cs:lnRef idx="0">
+      <cs:styleClr val="auto"/>
+    </cs:lnRef>
+    <cs:fillRef idx="2">
+      <cs:styleClr val="auto"/>
+    </cs:fillRef>
+    <cs:effectRef idx="1"/>
+    <cs:fontRef idx="minor">
+      <a:schemeClr val="dk1"/>
+    </cs:fontRef>
+    <cs:spPr>
+      <a:ln w="9525" cap="flat" cmpd="sng" algn="ctr">
+        <a:solidFill>
+          <a:schemeClr val="phClr">
+            <a:shade val="95000"/>
+          </a:schemeClr>
+        </a:solidFill>
+        <a:round/>
+      </a:ln>
+    </cs:spPr>
+  </cs:dataPointMarker>
+  <cs:dataPointMarkerLayout symbol="circle" size="4"/>
+  <cs:dataPointWireframe>
+    <cs:lnRef idx="0">
+      <cs:styleClr val="auto"/>
+    </cs:lnRef>
+    <cs:fillRef idx="2"/>
+    <cs:effectRef idx="0"/>
+    <cs:fontRef idx="minor">
+      <a:schemeClr val="dk1"/>
+    </cs:fontRef>
+    <cs:spPr>
+      <a:ln w="9525" cap="rnd">
+        <a:solidFill>
+          <a:schemeClr val="phClr"/>
+        </a:solidFill>
+        <a:round/>
+      </a:ln>
+    </cs:spPr>
+  </cs:dataPointWireframe>
+  <cs:dataTable>
+    <cs:lnRef idx="0"/>
+    <cs:fillRef idx="0"/>
+    <cs:effectRef idx="0"/>
+    <cs:fontRef idx="minor">
+      <a:schemeClr val="tx1">
+        <a:lumMod val="50000"/>
+        <a:lumOff val="50000"/>
       </a:schemeClr>
     </cs:fontRef>
     <cs:spPr>
@@ -1121,8 +3875,8 @@
       <a:ln w="9525">
         <a:solidFill>
           <a:schemeClr val="tx1">
-            <a:lumMod val="65000"/>
-            <a:lumOff val="35000"/>
+            <a:lumMod val="50000"/>
+            <a:lumOff val="50000"/>
           </a:schemeClr>
         </a:solidFill>
       </a:ln>
@@ -1143,97 +3897,11 @@
             <a:lumOff val="65000"/>
           </a:schemeClr>
         </a:solidFill>
+        <a:prstDash val="dash"/>
       </a:ln>
     </cs:spPr>
   </cs:dropLine>
   <cs:errorBar>
-    <cs:lnRef idx="0"/>
-    <cs:fillRef idx="0"/>
-    <cs:effectRef idx="0"/>
-    <cs:fontRef idx="minor">
-      <a:schemeClr val="dk1"/>
-    </cs:fontRef>
-    <cs:spPr>
-      <a:ln w="9525" cap="flat" cmpd="sng" algn="ctr">
-        <a:solidFill>
-          <a:schemeClr val="tx1">
-            <a:lumMod val="65000"/>
-            <a:lumOff val="35000"/>
-          </a:schemeClr>
-        </a:solidFill>
-        <a:round/>
-      </a:ln>
-    </cs:spPr>
-  </cs:errorBar>
-  <cs:floor>
-    <cs:lnRef idx="0"/>
-    <cs:fillRef idx="0"/>
-    <cs:effectRef idx="0"/>
-    <cs:fontRef idx="minor">
-      <a:schemeClr val="dk1"/>
-    </cs:fontRef>
-  </cs:floor>
-  <cs:gridlineMajor>
-    <cs:lnRef idx="0"/>
-    <cs:fillRef idx="0"/>
-    <cs:effectRef idx="0"/>
-    <cs:fontRef idx="minor">
-      <a:schemeClr val="dk1"/>
-    </cs:fontRef>
-    <cs:spPr>
-      <a:ln w="9525" cap="flat" cmpd="sng" algn="ctr">
-        <a:gradFill>
-          <a:gsLst>
-            <a:gs pos="100000">
-              <a:schemeClr val="tx1">
-                <a:lumMod val="5000"/>
-                <a:lumOff val="95000"/>
-              </a:schemeClr>
-            </a:gs>
-            <a:gs pos="0">
-              <a:schemeClr val="tx1">
-                <a:lumMod val="25000"/>
-                <a:lumOff val="75000"/>
-              </a:schemeClr>
-            </a:gs>
-          </a:gsLst>
-          <a:lin ang="5400000" scaled="0"/>
-        </a:gradFill>
-        <a:round/>
-      </a:ln>
-    </cs:spPr>
-  </cs:gridlineMajor>
-  <cs:gridlineMinor>
-    <cs:lnRef idx="0"/>
-    <cs:fillRef idx="0"/>
-    <cs:effectRef idx="0"/>
-    <cs:fontRef idx="minor">
-      <a:schemeClr val="dk1"/>
-    </cs:fontRef>
-    <cs:spPr>
-      <a:ln w="9525" cap="flat" cmpd="sng" algn="ctr">
-        <a:gradFill>
-          <a:gsLst>
-            <a:gs pos="100000">
-              <a:schemeClr val="tx1">
-                <a:lumMod val="5000"/>
-                <a:lumOff val="95000"/>
-              </a:schemeClr>
-            </a:gs>
-            <a:gs pos="0">
-              <a:schemeClr val="tx1">
-                <a:lumMod val="25000"/>
-                <a:lumOff val="75000"/>
-              </a:schemeClr>
-            </a:gs>
-          </a:gsLst>
-          <a:lin ang="5400000" scaled="0"/>
-        </a:gradFill>
-        <a:round/>
-      </a:ln>
-    </cs:spPr>
-  </cs:gridlineMinor>
-  <cs:hiLoLine>
     <cs:lnRef idx="0"/>
     <cs:fillRef idx="0"/>
     <cs:effectRef idx="0"/>
@@ -1250,6 +3918,70 @@
         </a:solidFill>
       </a:ln>
     </cs:spPr>
+  </cs:errorBar>
+  <cs:floor>
+    <cs:lnRef idx="0"/>
+    <cs:fillRef idx="0"/>
+    <cs:effectRef idx="0"/>
+    <cs:fontRef idx="minor">
+      <a:schemeClr val="dk1"/>
+    </cs:fontRef>
+  </cs:floor>
+  <cs:gridlineMajor>
+    <cs:lnRef idx="0"/>
+    <cs:fillRef idx="0"/>
+    <cs:effectRef idx="0"/>
+    <cs:fontRef idx="minor">
+      <a:schemeClr val="dk1"/>
+    </cs:fontRef>
+    <cs:spPr>
+      <a:ln w="9525" cap="flat" cmpd="sng" algn="ctr">
+        <a:solidFill>
+          <a:schemeClr val="tx1">
+            <a:lumMod val="15000"/>
+            <a:lumOff val="85000"/>
+          </a:schemeClr>
+        </a:solidFill>
+        <a:round/>
+      </a:ln>
+    </cs:spPr>
+  </cs:gridlineMajor>
+  <cs:gridlineMinor>
+    <cs:lnRef idx="0"/>
+    <cs:fillRef idx="0"/>
+    <cs:effectRef idx="0"/>
+    <cs:fontRef idx="minor">
+      <a:schemeClr val="dk1"/>
+    </cs:fontRef>
+    <cs:spPr>
+      <a:ln>
+        <a:solidFill>
+          <a:schemeClr val="tx1">
+            <a:lumMod val="5000"/>
+            <a:lumOff val="95000"/>
+          </a:schemeClr>
+        </a:solidFill>
+      </a:ln>
+    </cs:spPr>
+  </cs:gridlineMinor>
+  <cs:hiLoLine>
+    <cs:lnRef idx="0"/>
+    <cs:fillRef idx="0"/>
+    <cs:effectRef idx="0"/>
+    <cs:fontRef idx="minor">
+      <a:schemeClr val="dk1"/>
+    </cs:fontRef>
+    <cs:spPr>
+      <a:ln w="9525">
+        <a:solidFill>
+          <a:schemeClr val="tx1">
+            <a:lumMod val="50000"/>
+            <a:lumOff val="50000"/>
+          </a:schemeClr>
+        </a:solidFill>
+        <a:prstDash val="dash"/>
+      </a:ln>
+    </cs:spPr>
   </cs:hiLoLine>
   <cs:leaderLine>
     <cs:lnRef idx="0"/>
@@ -1275,8 +4007,8 @@
     <cs:effectRef idx="0"/>
     <cs:fontRef idx="minor">
       <a:schemeClr val="tx1">
-        <a:lumMod val="65000"/>
-        <a:lumOff val="35000"/>
+        <a:lumMod val="50000"/>
+        <a:lumOff val="50000"/>
       </a:schemeClr>
     </cs:fontRef>
     <cs:defRPr sz="1197" kern="1200"/>
@@ -1303,8 +4035,8 @@
     <cs:effectRef idx="0"/>
     <cs:fontRef idx="minor">
       <a:schemeClr val="tx1">
-        <a:lumMod val="65000"/>
-        <a:lumOff val="35000"/>
+        <a:lumMod val="50000"/>
+        <a:lumOff val="50000"/>
       </a:schemeClr>
     </cs:fontRef>
     <cs:spPr>
@@ -1316,8 +4048,6 @@
           </a:schemeClr>
         </a:solidFill>
         <a:round/>
-        <a:headEnd type="none" w="sm" len="sm"/>
-        <a:tailEnd type="none" w="sm" len="sm"/>
       </a:ln>
     </cs:spPr>
     <cs:defRPr sz="1197" kern="1200"/>
@@ -1337,7 +4067,7 @@
             <a:lumOff val="65000"/>
           </a:schemeClr>
         </a:solidFill>
-        <a:round/>
+        <a:prstDash val="dash"/>
       </a:ln>
     </cs:spPr>
   </cs:seriesLine>
@@ -1347,17 +4077,17 @@
     <cs:effectRef idx="0"/>
     <cs:fontRef idx="minor">
       <a:schemeClr val="tx1">
-        <a:lumMod val="65000"/>
-        <a:lumOff val="35000"/>
+        <a:lumMod val="50000"/>
+        <a:lumOff val="50000"/>
       </a:schemeClr>
     </cs:fontRef>
-    <cs:defRPr sz="2200" b="1" kern="1200" cap="all" spc="50" baseline="0"/>
+    <cs:defRPr sz="1862" kern="1200" cap="none" spc="20" baseline="0"/>
   </cs:title>
   <cs:trendline>
     <cs:lnRef idx="0">
       <cs:styleClr val="auto"/>
     </cs:lnRef>
-    <cs:fillRef idx="0"/>
+    <cs:fillRef idx="2"/>
     <cs:effectRef idx="0"/>
     <cs:fontRef idx="minor">
       <a:schemeClr val="dk1"/>
@@ -1376,8 +4106,8 @@
     <cs:effectRef idx="0"/>
     <cs:fontRef idx="minor">
       <a:schemeClr val="tx1">
-        <a:lumMod val="65000"/>
-        <a:lumOff val="35000"/>
+        <a:lumMod val="50000"/>
+        <a:lumOff val="50000"/>
       </a:schemeClr>
     </cs:fontRef>
     <cs:defRPr sz="1197" kern="1200"/>
@@ -1396,22 +4126,1015 @@
       <a:ln w="9525">
         <a:solidFill>
           <a:schemeClr val="tx1">
+            <a:lumMod val="50000"/>
+            <a:lumOff val="50000"/>
+          </a:schemeClr>
+        </a:solidFill>
+      </a:ln>
+    </cs:spPr>
+  </cs:upBar>
+  <cs:valueAxis>
+    <cs:lnRef idx="0"/>
+    <cs:fillRef idx="0"/>
+    <cs:effectRef idx="0"/>
+    <cs:fontRef idx="minor">
+      <a:schemeClr val="tx1">
+        <a:lumMod val="50000"/>
+        <a:lumOff val="50000"/>
+      </a:schemeClr>
+    </cs:fontRef>
+    <cs:defRPr sz="1197" kern="1200"/>
+  </cs:valueAxis>
+  <cs:wall>
+    <cs:lnRef idx="0"/>
+    <cs:fillRef idx="0"/>
+    <cs:effectRef idx="0"/>
+    <cs:fontRef idx="minor">
+      <a:schemeClr val="dk1"/>
+    </cs:fontRef>
+  </cs:wall>
+</cs:chartStyle>
+</file>
+
+<file path=ppt/charts/style4.xml><?xml version="1.0" encoding="utf-8"?>
+<cs:chartStyle xmlns:cs="http://schemas.microsoft.com/office/drawing/2012/chartStyle" xmlns:a="http://schemas.openxmlformats.org/drawingml/2006/main" id="206">
+  <cs:axisTitle>
+    <cs:lnRef idx="0"/>
+    <cs:fillRef idx="0"/>
+    <cs:effectRef idx="0"/>
+    <cs:fontRef idx="minor">
+      <a:schemeClr val="tx1">
+        <a:lumMod val="50000"/>
+        <a:lumOff val="50000"/>
+      </a:schemeClr>
+    </cs:fontRef>
+    <cs:defRPr sz="1197" kern="1200" cap="all"/>
+  </cs:axisTitle>
+  <cs:categoryAxis>
+    <cs:lnRef idx="0"/>
+    <cs:fillRef idx="0"/>
+    <cs:effectRef idx="0"/>
+    <cs:fontRef idx="minor">
+      <a:schemeClr val="tx1">
+        <a:lumMod val="50000"/>
+        <a:lumOff val="50000"/>
+      </a:schemeClr>
+    </cs:fontRef>
+    <cs:spPr>
+      <a:ln w="9525" cap="flat" cmpd="sng" algn="ctr">
+        <a:solidFill>
+          <a:schemeClr val="tx1">
+            <a:lumMod val="15000"/>
+            <a:lumOff val="85000"/>
+          </a:schemeClr>
+        </a:solidFill>
+        <a:round/>
+      </a:ln>
+    </cs:spPr>
+    <cs:defRPr sz="1197" kern="1200"/>
+  </cs:categoryAxis>
+  <cs:chartArea mods="allowNoFillOverride allowNoLineOverride">
+    <cs:lnRef idx="0"/>
+    <cs:fillRef idx="0"/>
+    <cs:effectRef idx="0"/>
+    <cs:fontRef idx="minor">
+      <a:schemeClr val="dk1"/>
+    </cs:fontRef>
+    <cs:spPr>
+      <a:solidFill>
+        <a:schemeClr val="bg1"/>
+      </a:solidFill>
+      <a:ln w="9525" cap="flat" cmpd="sng" algn="ctr">
+        <a:solidFill>
+          <a:schemeClr val="tx1">
+            <a:lumMod val="15000"/>
+            <a:lumOff val="85000"/>
+          </a:schemeClr>
+        </a:solidFill>
+        <a:round/>
+      </a:ln>
+    </cs:spPr>
+    <cs:defRPr sz="1197" kern="1200"/>
+  </cs:chartArea>
+  <cs:dataLabel>
+    <cs:lnRef idx="0"/>
+    <cs:fillRef idx="0"/>
+    <cs:effectRef idx="0"/>
+    <cs:fontRef idx="minor">
+      <a:schemeClr val="tx1">
+        <a:lumMod val="50000"/>
+        <a:lumOff val="50000"/>
+      </a:schemeClr>
+    </cs:fontRef>
+    <cs:defRPr sz="1197" kern="1200"/>
+  </cs:dataLabel>
+  <cs:dataLabelCallout>
+    <cs:lnRef idx="0"/>
+    <cs:fillRef idx="0"/>
+    <cs:effectRef idx="0"/>
+    <cs:fontRef idx="minor">
+      <a:schemeClr val="dk1">
+        <a:lumMod val="65000"/>
+        <a:lumOff val="35000"/>
+      </a:schemeClr>
+    </cs:fontRef>
+    <cs:spPr>
+      <a:solidFill>
+        <a:schemeClr val="lt1"/>
+      </a:solidFill>
+      <a:ln>
+        <a:solidFill>
+          <a:schemeClr val="dk1">
+            <a:lumMod val="25000"/>
+            <a:lumOff val="75000"/>
+          </a:schemeClr>
+        </a:solidFill>
+      </a:ln>
+    </cs:spPr>
+    <cs:defRPr sz="1197" kern="1200"/>
+    <cs:bodyPr rot="0" spcFirstLastPara="1" vertOverflow="clip" horzOverflow="clip" vert="horz" wrap="square" lIns="36576" tIns="18288" rIns="36576" bIns="18288" anchor="ctr" anchorCtr="1">
+      <a:spAutoFit/>
+    </cs:bodyPr>
+  </cs:dataLabelCallout>
+  <cs:dataPoint>
+    <cs:lnRef idx="0">
+      <cs:styleClr val="auto"/>
+    </cs:lnRef>
+    <cs:fillRef idx="2">
+      <cs:styleClr val="auto"/>
+    </cs:fillRef>
+    <cs:effectRef idx="1"/>
+    <cs:fontRef idx="minor">
+      <a:schemeClr val="dk1"/>
+    </cs:fontRef>
+    <cs:spPr>
+      <a:ln w="9525" cap="flat" cmpd="sng" algn="ctr">
+        <a:solidFill>
+          <a:schemeClr val="phClr">
+            <a:shade val="95000"/>
+          </a:schemeClr>
+        </a:solidFill>
+        <a:round/>
+      </a:ln>
+    </cs:spPr>
+  </cs:dataPoint>
+  <cs:dataPoint3D>
+    <cs:lnRef idx="0">
+      <cs:styleClr val="auto"/>
+    </cs:lnRef>
+    <cs:fillRef idx="2">
+      <cs:styleClr val="auto"/>
+    </cs:fillRef>
+    <cs:effectRef idx="1"/>
+    <cs:fontRef idx="minor">
+      <a:schemeClr val="dk1"/>
+    </cs:fontRef>
+    <cs:spPr>
+      <a:ln w="9525" cap="flat" cmpd="sng" algn="ctr">
+        <a:solidFill>
+          <a:schemeClr val="phClr">
+            <a:shade val="95000"/>
+          </a:schemeClr>
+        </a:solidFill>
+        <a:round/>
+      </a:ln>
+    </cs:spPr>
+  </cs:dataPoint3D>
+  <cs:dataPointLine>
+    <cs:lnRef idx="0">
+      <cs:styleClr val="auto"/>
+    </cs:lnRef>
+    <cs:fillRef idx="2">
+      <cs:styleClr val="auto"/>
+    </cs:fillRef>
+    <cs:effectRef idx="1"/>
+    <cs:fontRef idx="minor">
+      <a:schemeClr val="dk1"/>
+    </cs:fontRef>
+    <cs:spPr>
+      <a:ln w="15875" cap="rnd">
+        <a:solidFill>
+          <a:schemeClr val="phClr"/>
+        </a:solidFill>
+        <a:round/>
+      </a:ln>
+    </cs:spPr>
+  </cs:dataPointLine>
+  <cs:dataPointMarker>
+    <cs:lnRef idx="0">
+      <cs:styleClr val="auto"/>
+    </cs:lnRef>
+    <cs:fillRef idx="2">
+      <cs:styleClr val="auto"/>
+    </cs:fillRef>
+    <cs:effectRef idx="1"/>
+    <cs:fontRef idx="minor">
+      <a:schemeClr val="dk1"/>
+    </cs:fontRef>
+    <cs:spPr>
+      <a:ln w="9525" cap="flat" cmpd="sng" algn="ctr">
+        <a:solidFill>
+          <a:schemeClr val="phClr">
+            <a:shade val="95000"/>
+          </a:schemeClr>
+        </a:solidFill>
+        <a:round/>
+      </a:ln>
+    </cs:spPr>
+  </cs:dataPointMarker>
+  <cs:dataPointMarkerLayout symbol="circle" size="4"/>
+  <cs:dataPointWireframe>
+    <cs:lnRef idx="0">
+      <cs:styleClr val="auto"/>
+    </cs:lnRef>
+    <cs:fillRef idx="2"/>
+    <cs:effectRef idx="0"/>
+    <cs:fontRef idx="minor">
+      <a:schemeClr val="dk1"/>
+    </cs:fontRef>
+    <cs:spPr>
+      <a:ln w="9525" cap="rnd">
+        <a:solidFill>
+          <a:schemeClr val="phClr"/>
+        </a:solidFill>
+        <a:round/>
+      </a:ln>
+    </cs:spPr>
+  </cs:dataPointWireframe>
+  <cs:dataTable>
+    <cs:lnRef idx="0"/>
+    <cs:fillRef idx="0"/>
+    <cs:effectRef idx="0"/>
+    <cs:fontRef idx="minor">
+      <a:schemeClr val="tx1">
+        <a:lumMod val="50000"/>
+        <a:lumOff val="50000"/>
+      </a:schemeClr>
+    </cs:fontRef>
+    <cs:spPr>
+      <a:ln w="9525">
+        <a:solidFill>
+          <a:schemeClr val="tx1">
+            <a:lumMod val="15000"/>
+            <a:lumOff val="85000"/>
+          </a:schemeClr>
+        </a:solidFill>
+      </a:ln>
+    </cs:spPr>
+    <cs:defRPr sz="1197" kern="1200"/>
+  </cs:dataTable>
+  <cs:downBar>
+    <cs:lnRef idx="0"/>
+    <cs:fillRef idx="0"/>
+    <cs:effectRef idx="0"/>
+    <cs:fontRef idx="minor">
+      <a:schemeClr val="dk1"/>
+    </cs:fontRef>
+    <cs:spPr>
+      <a:solidFill>
+        <a:schemeClr val="dk1">
+          <a:lumMod val="75000"/>
+          <a:lumOff val="25000"/>
+        </a:schemeClr>
+      </a:solidFill>
+      <a:ln w="9525">
+        <a:solidFill>
+          <a:schemeClr val="tx1">
+            <a:lumMod val="50000"/>
+            <a:lumOff val="50000"/>
+          </a:schemeClr>
+        </a:solidFill>
+      </a:ln>
+    </cs:spPr>
+  </cs:downBar>
+  <cs:dropLine>
+    <cs:lnRef idx="0"/>
+    <cs:fillRef idx="0"/>
+    <cs:effectRef idx="0"/>
+    <cs:fontRef idx="minor">
+      <a:schemeClr val="dk1"/>
+    </cs:fontRef>
+    <cs:spPr>
+      <a:ln w="9525">
+        <a:solidFill>
+          <a:schemeClr val="tx1">
+            <a:lumMod val="35000"/>
+            <a:lumOff val="65000"/>
+          </a:schemeClr>
+        </a:solidFill>
+        <a:prstDash val="dash"/>
+      </a:ln>
+    </cs:spPr>
+  </cs:dropLine>
+  <cs:errorBar>
+    <cs:lnRef idx="0"/>
+    <cs:fillRef idx="0"/>
+    <cs:effectRef idx="0"/>
+    <cs:fontRef idx="minor">
+      <a:schemeClr val="dk1"/>
+    </cs:fontRef>
+    <cs:spPr>
+      <a:ln w="9525">
+        <a:solidFill>
+          <a:schemeClr val="tx1">
+            <a:lumMod val="50000"/>
+            <a:lumOff val="50000"/>
+          </a:schemeClr>
+        </a:solidFill>
+      </a:ln>
+    </cs:spPr>
+  </cs:errorBar>
+  <cs:floor>
+    <cs:lnRef idx="0"/>
+    <cs:fillRef idx="0"/>
+    <cs:effectRef idx="0"/>
+    <cs:fontRef idx="minor">
+      <a:schemeClr val="dk1"/>
+    </cs:fontRef>
+  </cs:floor>
+  <cs:gridlineMajor>
+    <cs:lnRef idx="0"/>
+    <cs:fillRef idx="0"/>
+    <cs:effectRef idx="0"/>
+    <cs:fontRef idx="minor">
+      <a:schemeClr val="dk1"/>
+    </cs:fontRef>
+    <cs:spPr>
+      <a:ln w="9525" cap="flat" cmpd="sng" algn="ctr">
+        <a:solidFill>
+          <a:schemeClr val="tx1">
+            <a:lumMod val="15000"/>
+            <a:lumOff val="85000"/>
+          </a:schemeClr>
+        </a:solidFill>
+        <a:round/>
+      </a:ln>
+    </cs:spPr>
+  </cs:gridlineMajor>
+  <cs:gridlineMinor>
+    <cs:lnRef idx="0"/>
+    <cs:fillRef idx="0"/>
+    <cs:effectRef idx="0"/>
+    <cs:fontRef idx="minor">
+      <a:schemeClr val="dk1"/>
+    </cs:fontRef>
+    <cs:spPr>
+      <a:ln>
+        <a:solidFill>
+          <a:schemeClr val="tx1">
+            <a:lumMod val="5000"/>
+            <a:lumOff val="95000"/>
+          </a:schemeClr>
+        </a:solidFill>
+      </a:ln>
+    </cs:spPr>
+  </cs:gridlineMinor>
+  <cs:hiLoLine>
+    <cs:lnRef idx="0"/>
+    <cs:fillRef idx="0"/>
+    <cs:effectRef idx="0"/>
+    <cs:fontRef idx="minor">
+      <a:schemeClr val="dk1"/>
+    </cs:fontRef>
+    <cs:spPr>
+      <a:ln w="9525">
+        <a:solidFill>
+          <a:schemeClr val="tx1">
+            <a:lumMod val="50000"/>
+            <a:lumOff val="50000"/>
+          </a:schemeClr>
+        </a:solidFill>
+        <a:prstDash val="dash"/>
+      </a:ln>
+    </cs:spPr>
+  </cs:hiLoLine>
+  <cs:leaderLine>
+    <cs:lnRef idx="0"/>
+    <cs:fillRef idx="0"/>
+    <cs:effectRef idx="0"/>
+    <cs:fontRef idx="minor">
+      <a:schemeClr val="dk1"/>
+    </cs:fontRef>
+    <cs:spPr>
+      <a:ln w="9525">
+        <a:solidFill>
+          <a:schemeClr val="tx1">
+            <a:lumMod val="35000"/>
+            <a:lumOff val="65000"/>
+          </a:schemeClr>
+        </a:solidFill>
+      </a:ln>
+    </cs:spPr>
+  </cs:leaderLine>
+  <cs:legend>
+    <cs:lnRef idx="0"/>
+    <cs:fillRef idx="0"/>
+    <cs:effectRef idx="0"/>
+    <cs:fontRef idx="minor">
+      <a:schemeClr val="tx1">
+        <a:lumMod val="50000"/>
+        <a:lumOff val="50000"/>
+      </a:schemeClr>
+    </cs:fontRef>
+    <cs:defRPr sz="1197" kern="1200"/>
+  </cs:legend>
+  <cs:plotArea mods="allowNoFillOverride allowNoLineOverride">
+    <cs:lnRef idx="0"/>
+    <cs:fillRef idx="0"/>
+    <cs:effectRef idx="0"/>
+    <cs:fontRef idx="minor">
+      <a:schemeClr val="dk1"/>
+    </cs:fontRef>
+  </cs:plotArea>
+  <cs:plotArea3D mods="allowNoFillOverride allowNoLineOverride">
+    <cs:lnRef idx="0"/>
+    <cs:fillRef idx="0"/>
+    <cs:effectRef idx="0"/>
+    <cs:fontRef idx="minor">
+      <a:schemeClr val="dk1"/>
+    </cs:fontRef>
+  </cs:plotArea3D>
+  <cs:seriesAxis>
+    <cs:lnRef idx="0"/>
+    <cs:fillRef idx="0"/>
+    <cs:effectRef idx="0"/>
+    <cs:fontRef idx="minor">
+      <a:schemeClr val="tx1">
+        <a:lumMod val="50000"/>
+        <a:lumOff val="50000"/>
+      </a:schemeClr>
+    </cs:fontRef>
+    <cs:spPr>
+      <a:ln w="9525" cap="flat" cmpd="sng" algn="ctr">
+        <a:solidFill>
+          <a:schemeClr val="tx1">
+            <a:lumMod val="15000"/>
+            <a:lumOff val="85000"/>
+          </a:schemeClr>
+        </a:solidFill>
+        <a:round/>
+      </a:ln>
+    </cs:spPr>
+    <cs:defRPr sz="1197" kern="1200"/>
+  </cs:seriesAxis>
+  <cs:seriesLine>
+    <cs:lnRef idx="0"/>
+    <cs:fillRef idx="0"/>
+    <cs:effectRef idx="0"/>
+    <cs:fontRef idx="minor">
+      <a:schemeClr val="dk1"/>
+    </cs:fontRef>
+    <cs:spPr>
+      <a:ln w="9525">
+        <a:solidFill>
+          <a:schemeClr val="tx1">
+            <a:lumMod val="35000"/>
+            <a:lumOff val="65000"/>
+          </a:schemeClr>
+        </a:solidFill>
+        <a:prstDash val="dash"/>
+      </a:ln>
+    </cs:spPr>
+  </cs:seriesLine>
+  <cs:title>
+    <cs:lnRef idx="0"/>
+    <cs:fillRef idx="0"/>
+    <cs:effectRef idx="0"/>
+    <cs:fontRef idx="minor">
+      <a:schemeClr val="tx1">
+        <a:lumMod val="50000"/>
+        <a:lumOff val="50000"/>
+      </a:schemeClr>
+    </cs:fontRef>
+    <cs:defRPr sz="1862" kern="1200" cap="none" spc="20" baseline="0"/>
+  </cs:title>
+  <cs:trendline>
+    <cs:lnRef idx="0">
+      <cs:styleClr val="auto"/>
+    </cs:lnRef>
+    <cs:fillRef idx="2"/>
+    <cs:effectRef idx="0"/>
+    <cs:fontRef idx="minor">
+      <a:schemeClr val="dk1"/>
+    </cs:fontRef>
+    <cs:spPr>
+      <a:ln w="9525" cap="rnd">
+        <a:solidFill>
+          <a:schemeClr val="phClr"/>
+        </a:solidFill>
+      </a:ln>
+    </cs:spPr>
+  </cs:trendline>
+  <cs:trendlineLabel>
+    <cs:lnRef idx="0"/>
+    <cs:fillRef idx="0"/>
+    <cs:effectRef idx="0"/>
+    <cs:fontRef idx="minor">
+      <a:schemeClr val="tx1">
+        <a:lumMod val="50000"/>
+        <a:lumOff val="50000"/>
+      </a:schemeClr>
+    </cs:fontRef>
+    <cs:defRPr sz="1197" kern="1200"/>
+  </cs:trendlineLabel>
+  <cs:upBar>
+    <cs:lnRef idx="0"/>
+    <cs:fillRef idx="0"/>
+    <cs:effectRef idx="0"/>
+    <cs:fontRef idx="minor">
+      <a:schemeClr val="dk1"/>
+    </cs:fontRef>
+    <cs:spPr>
+      <a:solidFill>
+        <a:schemeClr val="lt1"/>
+      </a:solidFill>
+      <a:ln w="9525">
+        <a:solidFill>
+          <a:schemeClr val="tx1">
+            <a:lumMod val="50000"/>
+            <a:lumOff val="50000"/>
+          </a:schemeClr>
+        </a:solidFill>
+      </a:ln>
+    </cs:spPr>
+  </cs:upBar>
+  <cs:valueAxis>
+    <cs:lnRef idx="0"/>
+    <cs:fillRef idx="0"/>
+    <cs:effectRef idx="0"/>
+    <cs:fontRef idx="minor">
+      <a:schemeClr val="tx1">
+        <a:lumMod val="50000"/>
+        <a:lumOff val="50000"/>
+      </a:schemeClr>
+    </cs:fontRef>
+    <cs:defRPr sz="1197" kern="1200"/>
+  </cs:valueAxis>
+  <cs:wall>
+    <cs:lnRef idx="0"/>
+    <cs:fillRef idx="0"/>
+    <cs:effectRef idx="0"/>
+    <cs:fontRef idx="minor">
+      <a:schemeClr val="dk1"/>
+    </cs:fontRef>
+  </cs:wall>
+</cs:chartStyle>
+</file>
+
+<file path=ppt/charts/style5.xml><?xml version="1.0" encoding="utf-8"?>
+<cs:chartStyle xmlns:cs="http://schemas.microsoft.com/office/drawing/2012/chartStyle" xmlns:a="http://schemas.openxmlformats.org/drawingml/2006/main" id="255">
+  <cs:axisTitle>
+    <cs:lnRef idx="0"/>
+    <cs:fillRef idx="0"/>
+    <cs:effectRef idx="0"/>
+    <cs:fontRef idx="minor">
+      <a:schemeClr val="tx2"/>
+    </cs:fontRef>
+    <cs:defRPr sz="1197" b="1" kern="1200"/>
+  </cs:axisTitle>
+  <cs:categoryAxis>
+    <cs:lnRef idx="0"/>
+    <cs:fillRef idx="0"/>
+    <cs:effectRef idx="0"/>
+    <cs:fontRef idx="minor">
+      <a:schemeClr val="tx2"/>
+    </cs:fontRef>
+    <cs:spPr>
+      <a:ln w="9525" cap="flat" cmpd="sng" algn="ctr">
+        <a:solidFill>
+          <a:schemeClr val="tx2">
+            <a:lumMod val="15000"/>
+            <a:lumOff val="85000"/>
+          </a:schemeClr>
+        </a:solidFill>
+        <a:round/>
+      </a:ln>
+    </cs:spPr>
+    <cs:defRPr sz="1197" kern="1200"/>
+  </cs:categoryAxis>
+  <cs:chartArea mods="allowNoFillOverride allowNoLineOverride">
+    <cs:lnRef idx="0"/>
+    <cs:fillRef idx="0"/>
+    <cs:effectRef idx="0"/>
+    <cs:fontRef idx="minor">
+      <a:schemeClr val="tx2"/>
+    </cs:fontRef>
+    <cs:spPr>
+      <a:solidFill>
+        <a:schemeClr val="bg1"/>
+      </a:solidFill>
+      <a:ln w="9525" cap="flat" cmpd="sng" algn="ctr">
+        <a:solidFill>
+          <a:schemeClr val="tx2">
+            <a:lumMod val="15000"/>
+            <a:lumOff val="85000"/>
+          </a:schemeClr>
+        </a:solidFill>
+        <a:round/>
+      </a:ln>
+    </cs:spPr>
+    <cs:defRPr sz="1197" kern="1200"/>
+  </cs:chartArea>
+  <cs:dataLabel>
+    <cs:lnRef idx="0"/>
+    <cs:fillRef idx="0"/>
+    <cs:effectRef idx="0"/>
+    <cs:fontRef idx="minor">
+      <a:schemeClr val="tx2"/>
+    </cs:fontRef>
+    <cs:defRPr sz="1197" kern="1200"/>
+  </cs:dataLabel>
+  <cs:dataLabelCallout>
+    <cs:lnRef idx="0"/>
+    <cs:fillRef idx="0"/>
+    <cs:effectRef idx="0"/>
+    <cs:fontRef idx="minor">
+      <a:schemeClr val="dk2">
+        <a:lumMod val="75000"/>
+      </a:schemeClr>
+    </cs:fontRef>
+    <cs:spPr>
+      <a:solidFill>
+        <a:schemeClr val="lt1"/>
+      </a:solidFill>
+      <a:ln>
+        <a:solidFill>
+          <a:schemeClr val="dk1">
+            <a:lumMod val="25000"/>
+            <a:lumOff val="75000"/>
+          </a:schemeClr>
+        </a:solidFill>
+      </a:ln>
+    </cs:spPr>
+    <cs:defRPr sz="1197" kern="1200"/>
+    <cs:bodyPr rot="0" spcFirstLastPara="1" vertOverflow="clip" horzOverflow="clip" vert="horz" wrap="square" lIns="36576" tIns="18288" rIns="36576" bIns="18288" anchor="ctr" anchorCtr="1">
+      <a:spAutoFit/>
+    </cs:bodyPr>
+  </cs:dataLabelCallout>
+  <cs:dataPoint>
+    <cs:lnRef idx="0"/>
+    <cs:fillRef idx="3">
+      <cs:styleClr val="auto"/>
+    </cs:fillRef>
+    <cs:effectRef idx="2"/>
+    <cs:fontRef idx="minor">
+      <a:schemeClr val="tx2"/>
+    </cs:fontRef>
+  </cs:dataPoint>
+  <cs:dataPoint3D>
+    <cs:lnRef idx="0"/>
+    <cs:fillRef idx="3">
+      <cs:styleClr val="auto"/>
+    </cs:fillRef>
+    <cs:effectRef idx="2"/>
+    <cs:fontRef idx="minor">
+      <a:schemeClr val="tx2"/>
+    </cs:fontRef>
+  </cs:dataPoint3D>
+  <cs:dataPointLine>
+    <cs:lnRef idx="0">
+      <cs:styleClr val="auto"/>
+    </cs:lnRef>
+    <cs:fillRef idx="3"/>
+    <cs:effectRef idx="2"/>
+    <cs:fontRef idx="minor">
+      <a:schemeClr val="tx2"/>
+    </cs:fontRef>
+    <cs:spPr>
+      <a:ln w="31750" cap="rnd">
+        <a:solidFill>
+          <a:schemeClr val="phClr"/>
+        </a:solidFill>
+        <a:round/>
+      </a:ln>
+    </cs:spPr>
+  </cs:dataPointLine>
+  <cs:dataPointMarker>
+    <cs:lnRef idx="0"/>
+    <cs:fillRef idx="3">
+      <cs:styleClr val="auto"/>
+    </cs:fillRef>
+    <cs:effectRef idx="2"/>
+    <cs:fontRef idx="minor">
+      <a:schemeClr val="tx2"/>
+    </cs:fontRef>
+    <cs:spPr>
+      <a:ln w="12700">
+        <a:solidFill>
+          <a:schemeClr val="lt2"/>
+        </a:solidFill>
+        <a:round/>
+      </a:ln>
+    </cs:spPr>
+  </cs:dataPointMarker>
+  <cs:dataPointMarkerLayout symbol="circle" size="6"/>
+  <cs:dataPointWireframe>
+    <cs:lnRef idx="0">
+      <cs:styleClr val="auto"/>
+    </cs:lnRef>
+    <cs:fillRef idx="3"/>
+    <cs:effectRef idx="2"/>
+    <cs:fontRef idx="minor">
+      <a:schemeClr val="tx2"/>
+    </cs:fontRef>
+    <cs:spPr>
+      <a:ln w="9525" cap="rnd">
+        <a:solidFill>
+          <a:schemeClr val="phClr"/>
+        </a:solidFill>
+        <a:round/>
+      </a:ln>
+    </cs:spPr>
+  </cs:dataPointWireframe>
+  <cs:dataTable>
+    <cs:lnRef idx="0"/>
+    <cs:fillRef idx="0"/>
+    <cs:effectRef idx="0"/>
+    <cs:fontRef idx="minor">
+      <a:schemeClr val="tx2"/>
+    </cs:fontRef>
+    <cs:spPr>
+      <a:ln w="9525">
+        <a:solidFill>
+          <a:schemeClr val="tx2">
+            <a:lumMod val="15000"/>
+            <a:lumOff val="85000"/>
+          </a:schemeClr>
+        </a:solidFill>
+      </a:ln>
+    </cs:spPr>
+    <cs:defRPr sz="1197" kern="1200"/>
+  </cs:dataTable>
+  <cs:downBar>
+    <cs:lnRef idx="0"/>
+    <cs:fillRef idx="0"/>
+    <cs:effectRef idx="0"/>
+    <cs:fontRef idx="minor">
+      <a:schemeClr val="dk1"/>
+    </cs:fontRef>
+    <cs:spPr>
+      <a:solidFill>
+        <a:schemeClr val="dk1">
+          <a:lumMod val="65000"/>
+          <a:lumOff val="35000"/>
+        </a:schemeClr>
+      </a:solidFill>
+      <a:ln w="9525">
+        <a:solidFill>
+          <a:schemeClr val="tx1">
             <a:lumMod val="65000"/>
             <a:lumOff val="35000"/>
           </a:schemeClr>
         </a:solidFill>
       </a:ln>
     </cs:spPr>
+  </cs:downBar>
+  <cs:dropLine>
+    <cs:lnRef idx="0"/>
+    <cs:fillRef idx="0"/>
+    <cs:effectRef idx="0"/>
+    <cs:fontRef idx="minor">
+      <a:schemeClr val="tx2"/>
+    </cs:fontRef>
+    <cs:spPr>
+      <a:ln w="9525">
+        <a:solidFill>
+          <a:schemeClr val="tx2">
+            <a:lumMod val="60000"/>
+            <a:lumOff val="40000"/>
+          </a:schemeClr>
+        </a:solidFill>
+        <a:prstDash val="dash"/>
+      </a:ln>
+    </cs:spPr>
+  </cs:dropLine>
+  <cs:errorBar>
+    <cs:lnRef idx="0"/>
+    <cs:fillRef idx="0"/>
+    <cs:effectRef idx="0"/>
+    <cs:fontRef idx="minor">
+      <a:schemeClr val="tx2"/>
+    </cs:fontRef>
+    <cs:spPr>
+      <a:ln w="9525">
+        <a:solidFill>
+          <a:schemeClr val="tx2">
+            <a:lumMod val="75000"/>
+          </a:schemeClr>
+        </a:solidFill>
+        <a:round/>
+      </a:ln>
+    </cs:spPr>
+  </cs:errorBar>
+  <cs:floor>
+    <cs:lnRef idx="0"/>
+    <cs:fillRef idx="0"/>
+    <cs:effectRef idx="0"/>
+    <cs:fontRef idx="minor">
+      <a:schemeClr val="tx2"/>
+    </cs:fontRef>
+  </cs:floor>
+  <cs:gridlineMajor>
+    <cs:lnRef idx="0"/>
+    <cs:fillRef idx="0"/>
+    <cs:effectRef idx="0"/>
+    <cs:fontRef idx="minor">
+      <a:schemeClr val="tx2"/>
+    </cs:fontRef>
+    <cs:spPr>
+      <a:ln w="9525" cap="flat" cmpd="sng" algn="ctr">
+        <a:solidFill>
+          <a:schemeClr val="tx2">
+            <a:lumMod val="15000"/>
+            <a:lumOff val="85000"/>
+          </a:schemeClr>
+        </a:solidFill>
+        <a:round/>
+      </a:ln>
+    </cs:spPr>
+  </cs:gridlineMajor>
+  <cs:gridlineMinor>
+    <cs:lnRef idx="0"/>
+    <cs:fillRef idx="0"/>
+    <cs:effectRef idx="0"/>
+    <cs:fontRef idx="minor">
+      <a:schemeClr val="tx2"/>
+    </cs:fontRef>
+    <cs:spPr>
+      <a:ln>
+        <a:solidFill>
+          <a:schemeClr val="tx2">
+            <a:lumMod val="5000"/>
+            <a:lumOff val="95000"/>
+          </a:schemeClr>
+        </a:solidFill>
+      </a:ln>
+    </cs:spPr>
+  </cs:gridlineMinor>
+  <cs:hiLoLine>
+    <cs:lnRef idx="0"/>
+    <cs:fillRef idx="0"/>
+    <cs:effectRef idx="0"/>
+    <cs:fontRef idx="minor">
+      <a:schemeClr val="tx2"/>
+    </cs:fontRef>
+    <cs:spPr>
+      <a:ln w="9525">
+        <a:solidFill>
+          <a:schemeClr val="tx2">
+            <a:lumMod val="60000"/>
+            <a:lumOff val="40000"/>
+          </a:schemeClr>
+        </a:solidFill>
+        <a:prstDash val="dash"/>
+      </a:ln>
+    </cs:spPr>
+  </cs:hiLoLine>
+  <cs:leaderLine>
+    <cs:lnRef idx="0"/>
+    <cs:fillRef idx="0"/>
+    <cs:effectRef idx="0"/>
+    <cs:fontRef idx="minor">
+      <a:schemeClr val="tx2"/>
+    </cs:fontRef>
+    <cs:spPr>
+      <a:ln w="9525">
+        <a:solidFill>
+          <a:schemeClr val="tx2">
+            <a:lumMod val="35000"/>
+            <a:lumOff val="65000"/>
+          </a:schemeClr>
+        </a:solidFill>
+      </a:ln>
+    </cs:spPr>
+  </cs:leaderLine>
+  <cs:legend>
+    <cs:lnRef idx="0"/>
+    <cs:fillRef idx="0"/>
+    <cs:effectRef idx="0"/>
+    <cs:fontRef idx="minor">
+      <a:schemeClr val="tx2"/>
+    </cs:fontRef>
+    <cs:defRPr sz="1197" kern="1200"/>
+  </cs:legend>
+  <cs:plotArea>
+    <cs:lnRef idx="0"/>
+    <cs:fillRef idx="0"/>
+    <cs:effectRef idx="0"/>
+    <cs:fontRef idx="minor">
+      <a:schemeClr val="tx2"/>
+    </cs:fontRef>
+  </cs:plotArea>
+  <cs:plotArea3D>
+    <cs:lnRef idx="0"/>
+    <cs:fillRef idx="0"/>
+    <cs:effectRef idx="0"/>
+    <cs:fontRef idx="minor">
+      <a:schemeClr val="tx2"/>
+    </cs:fontRef>
+  </cs:plotArea3D>
+  <cs:seriesAxis>
+    <cs:lnRef idx="0"/>
+    <cs:fillRef idx="0"/>
+    <cs:effectRef idx="0"/>
+    <cs:fontRef idx="minor">
+      <a:schemeClr val="tx2"/>
+    </cs:fontRef>
+    <cs:spPr>
+      <a:ln w="9525" cap="flat" cmpd="sng" algn="ctr">
+        <a:solidFill>
+          <a:schemeClr val="tx2">
+            <a:lumMod val="15000"/>
+            <a:lumOff val="85000"/>
+          </a:schemeClr>
+        </a:solidFill>
+        <a:round/>
+      </a:ln>
+    </cs:spPr>
+    <cs:defRPr sz="1197" kern="1200"/>
+  </cs:seriesAxis>
+  <cs:seriesLine>
+    <cs:lnRef idx="0"/>
+    <cs:fillRef idx="0"/>
+    <cs:effectRef idx="0"/>
+    <cs:fontRef idx="minor">
+      <a:schemeClr val="tx2"/>
+    </cs:fontRef>
+    <cs:spPr>
+      <a:ln w="9525">
+        <a:solidFill>
+          <a:schemeClr val="tx2">
+            <a:lumMod val="60000"/>
+            <a:lumOff val="40000"/>
+          </a:schemeClr>
+        </a:solidFill>
+        <a:prstDash val="dash"/>
+      </a:ln>
+    </cs:spPr>
+  </cs:seriesLine>
+  <cs:title>
+    <cs:lnRef idx="0"/>
+    <cs:fillRef idx="0"/>
+    <cs:effectRef idx="0"/>
+    <cs:fontRef idx="minor">
+      <a:schemeClr val="tx2"/>
+    </cs:fontRef>
+    <cs:defRPr sz="2128" b="1" kern="1200"/>
+  </cs:title>
+  <cs:trendline>
+    <cs:lnRef idx="0">
+      <cs:styleClr val="auto"/>
+    </cs:lnRef>
+    <cs:fillRef idx="0"/>
+    <cs:effectRef idx="0"/>
+    <cs:fontRef idx="minor">
+      <a:schemeClr val="tx2"/>
+    </cs:fontRef>
+    <cs:spPr>
+      <a:ln w="19050" cap="rnd">
+        <a:solidFill>
+          <a:schemeClr val="phClr"/>
+        </a:solidFill>
+        <a:prstDash val="sysDash"/>
+      </a:ln>
+    </cs:spPr>
+  </cs:trendline>
+  <cs:trendlineLabel>
+    <cs:lnRef idx="0"/>
+    <cs:fillRef idx="0"/>
+    <cs:effectRef idx="0"/>
+    <cs:fontRef idx="minor">
+      <a:schemeClr val="tx2"/>
+    </cs:fontRef>
+    <cs:defRPr sz="1197" kern="1200"/>
+  </cs:trendlineLabel>
+  <cs:upBar>
+    <cs:lnRef idx="0"/>
+    <cs:fillRef idx="0"/>
+    <cs:effectRef idx="0"/>
+    <cs:fontRef idx="minor">
+      <a:schemeClr val="tx2"/>
+    </cs:fontRef>
+    <cs:spPr>
+      <a:solidFill>
+        <a:schemeClr val="lt1"/>
+      </a:solidFill>
+      <a:ln w="9525">
+        <a:solidFill>
+          <a:schemeClr val="tx1">
+            <a:lumMod val="15000"/>
+            <a:lumOff val="85000"/>
+          </a:schemeClr>
+        </a:solidFill>
+      </a:ln>
+    </cs:spPr>
   </cs:upBar>
   <cs:valueAxis>
     <cs:lnRef idx="0"/>
     <cs:fillRef idx="0"/>
     <cs:effectRef idx="0"/>
     <cs:fontRef idx="minor">
-      <a:schemeClr val="tx1">
-        <a:lumMod val="65000"/>
-        <a:lumOff val="35000"/>
-      </a:schemeClr>
+      <a:schemeClr val="tx2"/>
     </cs:fontRef>
     <cs:defRPr sz="1197" kern="1200"/>
   </cs:valueAxis>
@@ -1420,7 +5143,7 @@
     <cs:fillRef idx="0"/>
     <cs:effectRef idx="0"/>
     <cs:fontRef idx="minor">
-      <a:schemeClr val="dk1"/>
+      <a:schemeClr val="tx2"/>
     </cs:fontRef>
   </cs:wall>
 </cs:chartStyle>
@@ -4653,7 +8376,449 @@
           <p:nvPr>
             <p:extLst>
               <p:ext uri="{D42A27DB-BD31-4B8C-83A1-F6EECF244321}">
-                <p14:modId xmlns:p14="http://schemas.microsoft.com/office/powerpoint/2010/main" val="1632643493"/>
+                <p14:modId xmlns:p14="http://schemas.microsoft.com/office/powerpoint/2010/main" val="2423130442"/>
+              </p:ext>
+            </p:extLst>
+          </p:nvPr>
+        </p:nvGraphicFramePr>
+        <p:xfrm>
+          <a:off x="880533" y="719667"/>
+          <a:ext cx="4809067" cy="3716866"/>
+        </p:xfrm>
+        <a:graphic>
+          <a:graphicData uri="http://schemas.openxmlformats.org/drawingml/2006/chart">
+            <c:chart xmlns:c="http://schemas.openxmlformats.org/drawingml/2006/chart" xmlns:r="http://schemas.openxmlformats.org/officeDocument/2006/relationships" r:id="rId2"/>
+          </a:graphicData>
+        </a:graphic>
+      </p:graphicFrame>
+      <p:graphicFrame>
+        <p:nvGraphicFramePr>
+          <p:cNvPr id="7" name="图表 6">
+            <a:extLst>
+              <a:ext uri="{FF2B5EF4-FFF2-40B4-BE49-F238E27FC236}">
+                <a16:creationId xmlns:a16="http://schemas.microsoft.com/office/drawing/2014/main" id="{62E3A9B0-CC31-42C2-BE1E-C37F35CBF0D3}"/>
+              </a:ext>
+            </a:extLst>
+          </p:cNvPr>
+          <p:cNvGraphicFramePr/>
+          <p:nvPr>
+            <p:extLst>
+              <p:ext uri="{D42A27DB-BD31-4B8C-83A1-F6EECF244321}">
+                <p14:modId xmlns:p14="http://schemas.microsoft.com/office/powerpoint/2010/main" val="1259758285"/>
+              </p:ext>
+            </p:extLst>
+          </p:nvPr>
+        </p:nvGraphicFramePr>
+        <p:xfrm>
+          <a:off x="6299200" y="719667"/>
+          <a:ext cx="4809067" cy="3716866"/>
+        </p:xfrm>
+        <a:graphic>
+          <a:graphicData uri="http://schemas.openxmlformats.org/drawingml/2006/chart">
+            <c:chart xmlns:c="http://schemas.openxmlformats.org/drawingml/2006/chart" xmlns:r="http://schemas.openxmlformats.org/officeDocument/2006/relationships" r:id="rId3"/>
+          </a:graphicData>
+        </a:graphic>
+      </p:graphicFrame>
+    </p:spTree>
+    <p:extLst>
+      <p:ext uri="{BB962C8B-B14F-4D97-AF65-F5344CB8AC3E}">
+        <p14:creationId xmlns:p14="http://schemas.microsoft.com/office/powerpoint/2010/main" val="2694041536"/>
+      </p:ext>
+    </p:extLst>
+  </p:cSld>
+  <p:clrMapOvr>
+    <a:masterClrMapping/>
+  </p:clrMapOvr>
+</p:sld>
+</file>
+
+<file path=ppt/slides/slide2.xml><?xml version="1.0" encoding="utf-8"?>
+<p:sld xmlns:a="http://schemas.openxmlformats.org/drawingml/2006/main" xmlns:r="http://schemas.openxmlformats.org/officeDocument/2006/relationships" xmlns:p="http://schemas.openxmlformats.org/presentationml/2006/main">
+  <p:cSld>
+    <p:spTree>
+      <p:nvGrpSpPr>
+        <p:cNvPr id="1" name=""/>
+        <p:cNvGrpSpPr/>
+        <p:nvPr/>
+      </p:nvGrpSpPr>
+      <p:grpSpPr>
+        <a:xfrm>
+          <a:off x="0" y="0"/>
+          <a:ext cx="0" cy="0"/>
+          <a:chOff x="0" y="0"/>
+          <a:chExt cx="0" cy="0"/>
+        </a:xfrm>
+      </p:grpSpPr>
+      <p:graphicFrame>
+        <p:nvGraphicFramePr>
+          <p:cNvPr id="6" name="图表 5">
+            <a:extLst>
+              <a:ext uri="{FF2B5EF4-FFF2-40B4-BE49-F238E27FC236}">
+                <a16:creationId xmlns:a16="http://schemas.microsoft.com/office/drawing/2014/main" id="{B6BC820E-0282-42CD-A7BC-1C37C2E7094C}"/>
+              </a:ext>
+            </a:extLst>
+          </p:cNvPr>
+          <p:cNvGraphicFramePr/>
+          <p:nvPr>
+            <p:extLst>
+              <p:ext uri="{D42A27DB-BD31-4B8C-83A1-F6EECF244321}">
+                <p14:modId xmlns:p14="http://schemas.microsoft.com/office/powerpoint/2010/main" val="265900413"/>
+              </p:ext>
+            </p:extLst>
+          </p:nvPr>
+        </p:nvGraphicFramePr>
+        <p:xfrm>
+          <a:off x="880533" y="719667"/>
+          <a:ext cx="4809067" cy="3716866"/>
+        </p:xfrm>
+        <a:graphic>
+          <a:graphicData uri="http://schemas.openxmlformats.org/drawingml/2006/chart">
+            <c:chart xmlns:c="http://schemas.openxmlformats.org/drawingml/2006/chart" xmlns:r="http://schemas.openxmlformats.org/officeDocument/2006/relationships" r:id="rId2"/>
+          </a:graphicData>
+        </a:graphic>
+      </p:graphicFrame>
+      <p:graphicFrame>
+        <p:nvGraphicFramePr>
+          <p:cNvPr id="7" name="图表 6">
+            <a:extLst>
+              <a:ext uri="{FF2B5EF4-FFF2-40B4-BE49-F238E27FC236}">
+                <a16:creationId xmlns:a16="http://schemas.microsoft.com/office/drawing/2014/main" id="{62E3A9B0-CC31-42C2-BE1E-C37F35CBF0D3}"/>
+              </a:ext>
+            </a:extLst>
+          </p:cNvPr>
+          <p:cNvGraphicFramePr/>
+          <p:nvPr>
+            <p:extLst>
+              <p:ext uri="{D42A27DB-BD31-4B8C-83A1-F6EECF244321}">
+                <p14:modId xmlns:p14="http://schemas.microsoft.com/office/powerpoint/2010/main" val="3138308140"/>
+              </p:ext>
+            </p:extLst>
+          </p:nvPr>
+        </p:nvGraphicFramePr>
+        <p:xfrm>
+          <a:off x="6299200" y="719667"/>
+          <a:ext cx="4809067" cy="3716866"/>
+        </p:xfrm>
+        <a:graphic>
+          <a:graphicData uri="http://schemas.openxmlformats.org/drawingml/2006/chart">
+            <c:chart xmlns:c="http://schemas.openxmlformats.org/drawingml/2006/chart" xmlns:r="http://schemas.openxmlformats.org/officeDocument/2006/relationships" r:id="rId3"/>
+          </a:graphicData>
+        </a:graphic>
+      </p:graphicFrame>
+    </p:spTree>
+    <p:extLst>
+      <p:ext uri="{BB962C8B-B14F-4D97-AF65-F5344CB8AC3E}">
+        <p14:creationId xmlns:p14="http://schemas.microsoft.com/office/powerpoint/2010/main" val="657002422"/>
+      </p:ext>
+    </p:extLst>
+  </p:cSld>
+  <p:clrMapOvr>
+    <a:masterClrMapping/>
+  </p:clrMapOvr>
+</p:sld>
+</file>
+
+<file path=ppt/slides/slide3.xml><?xml version="1.0" encoding="utf-8"?>
+<p:sld xmlns:a="http://schemas.openxmlformats.org/drawingml/2006/main" xmlns:r="http://schemas.openxmlformats.org/officeDocument/2006/relationships" xmlns:p="http://schemas.openxmlformats.org/presentationml/2006/main">
+  <p:cSld>
+    <p:spTree>
+      <p:nvGrpSpPr>
+        <p:cNvPr id="1" name=""/>
+        <p:cNvGrpSpPr/>
+        <p:nvPr/>
+      </p:nvGrpSpPr>
+      <p:grpSpPr>
+        <a:xfrm>
+          <a:off x="0" y="0"/>
+          <a:ext cx="0" cy="0"/>
+          <a:chOff x="0" y="0"/>
+          <a:chExt cx="0" cy="0"/>
+        </a:xfrm>
+      </p:grpSpPr>
+      <p:pic>
+        <p:nvPicPr>
+          <p:cNvPr id="3" name="图片 2">
+            <a:extLst>
+              <a:ext uri="{FF2B5EF4-FFF2-40B4-BE49-F238E27FC236}">
+                <a16:creationId xmlns:a16="http://schemas.microsoft.com/office/drawing/2014/main" id="{26397F04-3A57-45A9-857D-7042DC9E0AB8}"/>
+              </a:ext>
+            </a:extLst>
+          </p:cNvPr>
+          <p:cNvPicPr>
+            <a:picLocks noChangeAspect="1"/>
+          </p:cNvPicPr>
+          <p:nvPr/>
+        </p:nvPicPr>
+        <p:blipFill>
+          <a:blip r:embed="rId2"/>
+          <a:stretch>
+            <a:fillRect/>
+          </a:stretch>
+        </p:blipFill>
+        <p:spPr>
+          <a:xfrm>
+            <a:off x="0" y="1276525"/>
+            <a:ext cx="12192000" cy="4304949"/>
+          </a:xfrm>
+          <a:prstGeom prst="rect">
+            <a:avLst/>
+          </a:prstGeom>
+        </p:spPr>
+      </p:pic>
+    </p:spTree>
+    <p:extLst>
+      <p:ext uri="{BB962C8B-B14F-4D97-AF65-F5344CB8AC3E}">
+        <p14:creationId xmlns:p14="http://schemas.microsoft.com/office/powerpoint/2010/main" val="613372987"/>
+      </p:ext>
+    </p:extLst>
+  </p:cSld>
+  <p:clrMapOvr>
+    <a:masterClrMapping/>
+  </p:clrMapOvr>
+</p:sld>
+</file>
+
+<file path=ppt/slides/slide4.xml><?xml version="1.0" encoding="utf-8"?>
+<p:sld xmlns:a="http://schemas.openxmlformats.org/drawingml/2006/main" xmlns:r="http://schemas.openxmlformats.org/officeDocument/2006/relationships" xmlns:p="http://schemas.openxmlformats.org/presentationml/2006/main">
+  <p:cSld>
+    <p:spTree>
+      <p:nvGrpSpPr>
+        <p:cNvPr id="1" name=""/>
+        <p:cNvGrpSpPr/>
+        <p:nvPr/>
+      </p:nvGrpSpPr>
+      <p:grpSpPr>
+        <a:xfrm>
+          <a:off x="0" y="0"/>
+          <a:ext cx="0" cy="0"/>
+          <a:chOff x="0" y="0"/>
+          <a:chExt cx="0" cy="0"/>
+        </a:xfrm>
+      </p:grpSpPr>
+      <p:pic>
+        <p:nvPicPr>
+          <p:cNvPr id="4" name="图片 3">
+            <a:extLst>
+              <a:ext uri="{FF2B5EF4-FFF2-40B4-BE49-F238E27FC236}">
+                <a16:creationId xmlns:a16="http://schemas.microsoft.com/office/drawing/2014/main" id="{6E649E2C-70F2-4D92-BC72-AB8454779632}"/>
+              </a:ext>
+            </a:extLst>
+          </p:cNvPr>
+          <p:cNvPicPr>
+            <a:picLocks noChangeAspect="1"/>
+          </p:cNvPicPr>
+          <p:nvPr/>
+        </p:nvPicPr>
+        <p:blipFill>
+          <a:blip r:embed="rId2"/>
+          <a:stretch>
+            <a:fillRect/>
+          </a:stretch>
+        </p:blipFill>
+        <p:spPr>
+          <a:xfrm>
+            <a:off x="0" y="1260731"/>
+            <a:ext cx="12192000" cy="4336537"/>
+          </a:xfrm>
+          <a:prstGeom prst="rect">
+            <a:avLst/>
+          </a:prstGeom>
+        </p:spPr>
+      </p:pic>
+      <p:pic>
+        <p:nvPicPr>
+          <p:cNvPr id="6" name="图片 5">
+            <a:extLst>
+              <a:ext uri="{FF2B5EF4-FFF2-40B4-BE49-F238E27FC236}">
+                <a16:creationId xmlns:a16="http://schemas.microsoft.com/office/drawing/2014/main" id="{6AAD2369-CD2A-4A13-BA35-3F640E567331}"/>
+              </a:ext>
+            </a:extLst>
+          </p:cNvPr>
+          <p:cNvPicPr>
+            <a:picLocks noChangeAspect="1"/>
+          </p:cNvPicPr>
+          <p:nvPr/>
+        </p:nvPicPr>
+        <p:blipFill>
+          <a:blip r:embed="rId3"/>
+          <a:stretch>
+            <a:fillRect/>
+          </a:stretch>
+        </p:blipFill>
+        <p:spPr>
+          <a:xfrm>
+            <a:off x="0" y="1296802"/>
+            <a:ext cx="12192000" cy="4264395"/>
+          </a:xfrm>
+          <a:prstGeom prst="rect">
+            <a:avLst/>
+          </a:prstGeom>
+        </p:spPr>
+      </p:pic>
+    </p:spTree>
+    <p:extLst>
+      <p:ext uri="{BB962C8B-B14F-4D97-AF65-F5344CB8AC3E}">
+        <p14:creationId xmlns:p14="http://schemas.microsoft.com/office/powerpoint/2010/main" val="4283679680"/>
+      </p:ext>
+    </p:extLst>
+  </p:cSld>
+  <p:clrMapOvr>
+    <a:masterClrMapping/>
+  </p:clrMapOvr>
+</p:sld>
+</file>
+
+<file path=ppt/slides/slide5.xml><?xml version="1.0" encoding="utf-8"?>
+<p:sld xmlns:a="http://schemas.openxmlformats.org/drawingml/2006/main" xmlns:r="http://schemas.openxmlformats.org/officeDocument/2006/relationships" xmlns:p="http://schemas.openxmlformats.org/presentationml/2006/main">
+  <p:cSld>
+    <p:spTree>
+      <p:nvGrpSpPr>
+        <p:cNvPr id="1" name=""/>
+        <p:cNvGrpSpPr/>
+        <p:nvPr/>
+      </p:nvGrpSpPr>
+      <p:grpSpPr>
+        <a:xfrm>
+          <a:off x="0" y="0"/>
+          <a:ext cx="0" cy="0"/>
+          <a:chOff x="0" y="0"/>
+          <a:chExt cx="0" cy="0"/>
+        </a:xfrm>
+      </p:grpSpPr>
+      <p:pic>
+        <p:nvPicPr>
+          <p:cNvPr id="3" name="图片 2">
+            <a:extLst>
+              <a:ext uri="{FF2B5EF4-FFF2-40B4-BE49-F238E27FC236}">
+                <a16:creationId xmlns:a16="http://schemas.microsoft.com/office/drawing/2014/main" id="{51B0DB9A-F613-49C8-AB48-5AA728F9E13D}"/>
+              </a:ext>
+            </a:extLst>
+          </p:cNvPr>
+          <p:cNvPicPr>
+            <a:picLocks noChangeAspect="1"/>
+          </p:cNvPicPr>
+          <p:nvPr/>
+        </p:nvPicPr>
+        <p:blipFill>
+          <a:blip r:embed="rId2"/>
+          <a:stretch>
+            <a:fillRect/>
+          </a:stretch>
+        </p:blipFill>
+        <p:spPr>
+          <a:xfrm>
+            <a:off x="0" y="1281956"/>
+            <a:ext cx="12192000" cy="4294088"/>
+          </a:xfrm>
+          <a:prstGeom prst="rect">
+            <a:avLst/>
+          </a:prstGeom>
+        </p:spPr>
+      </p:pic>
+    </p:spTree>
+    <p:extLst>
+      <p:ext uri="{BB962C8B-B14F-4D97-AF65-F5344CB8AC3E}">
+        <p14:creationId xmlns:p14="http://schemas.microsoft.com/office/powerpoint/2010/main" val="3131985582"/>
+      </p:ext>
+    </p:extLst>
+  </p:cSld>
+  <p:clrMapOvr>
+    <a:masterClrMapping/>
+  </p:clrMapOvr>
+</p:sld>
+</file>
+
+<file path=ppt/slides/slide6.xml><?xml version="1.0" encoding="utf-8"?>
+<p:sld xmlns:a="http://schemas.openxmlformats.org/drawingml/2006/main" xmlns:r="http://schemas.openxmlformats.org/officeDocument/2006/relationships" xmlns:p="http://schemas.openxmlformats.org/presentationml/2006/main">
+  <p:cSld>
+    <p:spTree>
+      <p:nvGrpSpPr>
+        <p:cNvPr id="1" name=""/>
+        <p:cNvGrpSpPr/>
+        <p:nvPr/>
+      </p:nvGrpSpPr>
+      <p:grpSpPr>
+        <a:xfrm>
+          <a:off x="0" y="0"/>
+          <a:ext cx="0" cy="0"/>
+          <a:chOff x="0" y="0"/>
+          <a:chExt cx="0" cy="0"/>
+        </a:xfrm>
+      </p:grpSpPr>
+      <p:pic>
+        <p:nvPicPr>
+          <p:cNvPr id="3" name="图片 2">
+            <a:extLst>
+              <a:ext uri="{FF2B5EF4-FFF2-40B4-BE49-F238E27FC236}">
+                <a16:creationId xmlns:a16="http://schemas.microsoft.com/office/drawing/2014/main" id="{11B39250-AE00-455C-94BD-7B094BF00F71}"/>
+              </a:ext>
+            </a:extLst>
+          </p:cNvPr>
+          <p:cNvPicPr>
+            <a:picLocks noChangeAspect="1"/>
+          </p:cNvPicPr>
+          <p:nvPr/>
+        </p:nvPicPr>
+        <p:blipFill>
+          <a:blip r:embed="rId2"/>
+          <a:stretch>
+            <a:fillRect/>
+          </a:stretch>
+        </p:blipFill>
+        <p:spPr>
+          <a:xfrm>
+            <a:off x="0" y="2482119"/>
+            <a:ext cx="12192000" cy="1893761"/>
+          </a:xfrm>
+          <a:prstGeom prst="rect">
+            <a:avLst/>
+          </a:prstGeom>
+        </p:spPr>
+      </p:pic>
+    </p:spTree>
+    <p:extLst>
+      <p:ext uri="{BB962C8B-B14F-4D97-AF65-F5344CB8AC3E}">
+        <p14:creationId xmlns:p14="http://schemas.microsoft.com/office/powerpoint/2010/main" val="4114071504"/>
+      </p:ext>
+    </p:extLst>
+  </p:cSld>
+  <p:clrMapOvr>
+    <a:masterClrMapping/>
+  </p:clrMapOvr>
+</p:sld>
+</file>
+
+<file path=ppt/slides/slide7.xml><?xml version="1.0" encoding="utf-8"?>
+<p:sld xmlns:a="http://schemas.openxmlformats.org/drawingml/2006/main" xmlns:r="http://schemas.openxmlformats.org/officeDocument/2006/relationships" xmlns:p="http://schemas.openxmlformats.org/presentationml/2006/main">
+  <p:cSld>
+    <p:spTree>
+      <p:nvGrpSpPr>
+        <p:cNvPr id="1" name=""/>
+        <p:cNvGrpSpPr/>
+        <p:nvPr/>
+      </p:nvGrpSpPr>
+      <p:grpSpPr>
+        <a:xfrm>
+          <a:off x="0" y="0"/>
+          <a:ext cx="0" cy="0"/>
+          <a:chOff x="0" y="0"/>
+          <a:chExt cx="0" cy="0"/>
+        </a:xfrm>
+      </p:grpSpPr>
+      <p:graphicFrame>
+        <p:nvGraphicFramePr>
+          <p:cNvPr id="4" name="图表 3">
+            <a:extLst>
+              <a:ext uri="{FF2B5EF4-FFF2-40B4-BE49-F238E27FC236}">
+                <a16:creationId xmlns:a16="http://schemas.microsoft.com/office/drawing/2014/main" id="{AC088852-5AB8-4C40-95B4-5564161B2274}"/>
+              </a:ext>
+            </a:extLst>
+          </p:cNvPr>
+          <p:cNvGraphicFramePr/>
+          <p:nvPr>
+            <p:extLst>
+              <p:ext uri="{D42A27DB-BD31-4B8C-83A1-F6EECF244321}">
+                <p14:modId xmlns:p14="http://schemas.microsoft.com/office/powerpoint/2010/main" val="3755222343"/>
               </p:ext>
             </p:extLst>
           </p:nvPr>
@@ -4671,7 +8836,7 @@
     </p:spTree>
     <p:extLst>
       <p:ext uri="{BB962C8B-B14F-4D97-AF65-F5344CB8AC3E}">
-        <p14:creationId xmlns:p14="http://schemas.microsoft.com/office/powerpoint/2010/main" val="2694041536"/>
+        <p14:creationId xmlns:p14="http://schemas.microsoft.com/office/powerpoint/2010/main" val="1898249082"/>
       </p:ext>
     </p:extLst>
   </p:cSld>
